--- a/Project2/cost benefit.pptx
+++ b/Project2/cost benefit.pptx
@@ -108,6 +108,11 @@
       </a:defRPr>
     </a:lvl9pPr>
   </p:defaultTextStyle>
+  <p:extLst>
+    <p:ext uri="{EFAFB233-063F-42B5-8137-9DF3F51BA10A}">
+      <p15:sldGuideLst xmlns:p15="http://schemas.microsoft.com/office/powerpoint/2012/main"/>
+    </p:ext>
+  </p:extLst>
 </p:presentation>
 </file>
 
@@ -242,7 +247,7 @@
           <a:p>
             <a:fld id="{36C60D0F-2602-40EB-BE16-E6DC7F779C69}" type="datetimeFigureOut">
               <a:rPr lang="zh-CN" altLang="en-US" smtClean="0"/>
-              <a:t>2024/8/6</a:t>
+              <a:t>2024/8/7</a:t>
             </a:fld>
             <a:endParaRPr lang="zh-CN" altLang="en-US"/>
           </a:p>
@@ -412,7 +417,7 @@
           <a:p>
             <a:fld id="{36C60D0F-2602-40EB-BE16-E6DC7F779C69}" type="datetimeFigureOut">
               <a:rPr lang="zh-CN" altLang="en-US" smtClean="0"/>
-              <a:t>2024/8/6</a:t>
+              <a:t>2024/8/7</a:t>
             </a:fld>
             <a:endParaRPr lang="zh-CN" altLang="en-US"/>
           </a:p>
@@ -592,7 +597,7 @@
           <a:p>
             <a:fld id="{36C60D0F-2602-40EB-BE16-E6DC7F779C69}" type="datetimeFigureOut">
               <a:rPr lang="zh-CN" altLang="en-US" smtClean="0"/>
-              <a:t>2024/8/6</a:t>
+              <a:t>2024/8/7</a:t>
             </a:fld>
             <a:endParaRPr lang="zh-CN" altLang="en-US"/>
           </a:p>
@@ -762,7 +767,7 @@
           <a:p>
             <a:fld id="{36C60D0F-2602-40EB-BE16-E6DC7F779C69}" type="datetimeFigureOut">
               <a:rPr lang="zh-CN" altLang="en-US" smtClean="0"/>
-              <a:t>2024/8/6</a:t>
+              <a:t>2024/8/7</a:t>
             </a:fld>
             <a:endParaRPr lang="zh-CN" altLang="en-US"/>
           </a:p>
@@ -1008,7 +1013,7 @@
           <a:p>
             <a:fld id="{36C60D0F-2602-40EB-BE16-E6DC7F779C69}" type="datetimeFigureOut">
               <a:rPr lang="zh-CN" altLang="en-US" smtClean="0"/>
-              <a:t>2024/8/6</a:t>
+              <a:t>2024/8/7</a:t>
             </a:fld>
             <a:endParaRPr lang="zh-CN" altLang="en-US"/>
           </a:p>
@@ -1240,7 +1245,7 @@
           <a:p>
             <a:fld id="{36C60D0F-2602-40EB-BE16-E6DC7F779C69}" type="datetimeFigureOut">
               <a:rPr lang="zh-CN" altLang="en-US" smtClean="0"/>
-              <a:t>2024/8/6</a:t>
+              <a:t>2024/8/7</a:t>
             </a:fld>
             <a:endParaRPr lang="zh-CN" altLang="en-US"/>
           </a:p>
@@ -1607,7 +1612,7 @@
           <a:p>
             <a:fld id="{36C60D0F-2602-40EB-BE16-E6DC7F779C69}" type="datetimeFigureOut">
               <a:rPr lang="zh-CN" altLang="en-US" smtClean="0"/>
-              <a:t>2024/8/6</a:t>
+              <a:t>2024/8/7</a:t>
             </a:fld>
             <a:endParaRPr lang="zh-CN" altLang="en-US"/>
           </a:p>
@@ -1725,7 +1730,7 @@
           <a:p>
             <a:fld id="{36C60D0F-2602-40EB-BE16-E6DC7F779C69}" type="datetimeFigureOut">
               <a:rPr lang="zh-CN" altLang="en-US" smtClean="0"/>
-              <a:t>2024/8/6</a:t>
+              <a:t>2024/8/7</a:t>
             </a:fld>
             <a:endParaRPr lang="zh-CN" altLang="en-US"/>
           </a:p>
@@ -1820,7 +1825,7 @@
           <a:p>
             <a:fld id="{36C60D0F-2602-40EB-BE16-E6DC7F779C69}" type="datetimeFigureOut">
               <a:rPr lang="zh-CN" altLang="en-US" smtClean="0"/>
-              <a:t>2024/8/6</a:t>
+              <a:t>2024/8/7</a:t>
             </a:fld>
             <a:endParaRPr lang="zh-CN" altLang="en-US"/>
           </a:p>
@@ -2097,7 +2102,7 @@
           <a:p>
             <a:fld id="{36C60D0F-2602-40EB-BE16-E6DC7F779C69}" type="datetimeFigureOut">
               <a:rPr lang="zh-CN" altLang="en-US" smtClean="0"/>
-              <a:t>2024/8/6</a:t>
+              <a:t>2024/8/7</a:t>
             </a:fld>
             <a:endParaRPr lang="zh-CN" altLang="en-US"/>
           </a:p>
@@ -2350,7 +2355,7 @@
           <a:p>
             <a:fld id="{36C60D0F-2602-40EB-BE16-E6DC7F779C69}" type="datetimeFigureOut">
               <a:rPr lang="zh-CN" altLang="en-US" smtClean="0"/>
-              <a:t>2024/8/6</a:t>
+              <a:t>2024/8/7</a:t>
             </a:fld>
             <a:endParaRPr lang="zh-CN" altLang="en-US"/>
           </a:p>
@@ -2563,7 +2568,7 @@
           <a:p>
             <a:fld id="{36C60D0F-2602-40EB-BE16-E6DC7F779C69}" type="datetimeFigureOut">
               <a:rPr lang="zh-CN" altLang="en-US" smtClean="0"/>
-              <a:t>2024/8/6</a:t>
+              <a:t>2024/8/7</a:t>
             </a:fld>
             <a:endParaRPr lang="zh-CN" altLang="en-US"/>
           </a:p>
@@ -3477,7 +3482,7 @@
           <p:nvPr>
             <p:extLst>
               <p:ext uri="{D42A27DB-BD31-4B8C-83A1-F6EECF244321}">
-                <p14:modId xmlns:p14="http://schemas.microsoft.com/office/powerpoint/2010/main" val="3572863063"/>
+                <p14:modId xmlns:p14="http://schemas.microsoft.com/office/powerpoint/2010/main" val="3676900099"/>
               </p:ext>
             </p:extLst>
           </p:nvPr>
@@ -3826,7 +3831,7 @@
                     <a:p>
                       <a:r>
                         <a:rPr lang="en-US" altLang="zh-CN" dirty="0" smtClean="0"/>
-                        <a:t>198438.72</a:t>
+                        <a:t>198438.7</a:t>
                       </a:r>
                       <a:endParaRPr lang="zh-CN" altLang="en-US" dirty="0"/>
                     </a:p>
@@ -4131,14 +4136,14 @@
           <p:nvPr>
             <p:extLst>
               <p:ext uri="{D42A27DB-BD31-4B8C-83A1-F6EECF244321}">
-                <p14:modId xmlns:p14="http://schemas.microsoft.com/office/powerpoint/2010/main" val="134815967"/>
+                <p14:modId xmlns:p14="http://schemas.microsoft.com/office/powerpoint/2010/main" val="936215187"/>
               </p:ext>
             </p:extLst>
           </p:nvPr>
         </p:nvGraphicFramePr>
         <p:xfrm>
           <a:off x="633047" y="719666"/>
-          <a:ext cx="10304585" cy="1854200"/>
+          <a:ext cx="9821007" cy="1854200"/>
         </p:xfrm>
         <a:graphic>
           <a:graphicData uri="http://schemas.openxmlformats.org/drawingml/2006/table">
@@ -4150,7 +4155,7 @@
                 <a:gridCol w="4793025"/>
                 <a:gridCol w="1625359"/>
                 <a:gridCol w="1723292"/>
-                <a:gridCol w="2162909"/>
+                <a:gridCol w="1679331"/>
               </a:tblGrid>
               <a:tr h="370840">
                 <a:tc>
@@ -4536,343 +4541,6 @@
           <a:chExt cx="0" cy="0"/>
         </a:xfrm>
       </p:grpSpPr>
-      <p:graphicFrame>
-        <p:nvGraphicFramePr>
-          <p:cNvPr id="5" name="表格 4"/>
-          <p:cNvGraphicFramePr>
-            <a:graphicFrameLocks noGrp="1"/>
-          </p:cNvGraphicFramePr>
-          <p:nvPr>
-            <p:extLst>
-              <p:ext uri="{D42A27DB-BD31-4B8C-83A1-F6EECF244321}">
-                <p14:modId xmlns:p14="http://schemas.microsoft.com/office/powerpoint/2010/main" val="2194925745"/>
-              </p:ext>
-            </p:extLst>
-          </p:nvPr>
-        </p:nvGraphicFramePr>
-        <p:xfrm>
-          <a:off x="633047" y="719666"/>
-          <a:ext cx="10304585" cy="2123440"/>
-        </p:xfrm>
-        <a:graphic>
-          <a:graphicData uri="http://schemas.openxmlformats.org/drawingml/2006/table">
-            <a:tbl>
-              <a:tblPr firstRow="1" bandRow="1">
-                <a:tableStyleId>{5C22544A-7EE6-4342-B048-85BDC9FD1C3A}</a:tableStyleId>
-              </a:tblPr>
-              <a:tblGrid>
-                <a:gridCol w="4793025"/>
-                <a:gridCol w="1625359"/>
-                <a:gridCol w="1723292"/>
-                <a:gridCol w="2162909"/>
-              </a:tblGrid>
-              <a:tr h="370840">
-                <a:tc>
-                  <a:txBody>
-                    <a:bodyPr/>
-                    <a:lstStyle/>
-                    <a:p>
-                      <a:endParaRPr lang="zh-CN" altLang="en-US" dirty="0"/>
-                    </a:p>
-                  </a:txBody>
-                  <a:tcPr/>
-                </a:tc>
-                <a:tc>
-                  <a:txBody>
-                    <a:bodyPr/>
-                    <a:lstStyle/>
-                    <a:p>
-                      <a:r>
-                        <a:rPr lang="en-GB" altLang="zh-CN" dirty="0" smtClean="0"/>
-                        <a:t>Equipment+</a:t>
-                      </a:r>
-                      <a:br>
-                        <a:rPr lang="en-GB" altLang="zh-CN" dirty="0" smtClean="0"/>
-                      </a:br>
-                      <a:r>
-                        <a:rPr lang="en-GB" altLang="zh-CN" dirty="0" smtClean="0"/>
-                        <a:t>Agreement</a:t>
-                      </a:r>
-                    </a:p>
-                  </a:txBody>
-                  <a:tcPr/>
-                </a:tc>
-                <a:tc>
-                  <a:txBody>
-                    <a:bodyPr/>
-                    <a:lstStyle/>
-                    <a:p>
-                      <a:r>
-                        <a:rPr lang="en-GB" altLang="zh-CN" dirty="0" smtClean="0"/>
-                        <a:t>Cost per month</a:t>
-                      </a:r>
-                      <a:endParaRPr lang="zh-CN" altLang="en-US" dirty="0"/>
-                    </a:p>
-                  </a:txBody>
-                  <a:tcPr/>
-                </a:tc>
-                <a:tc>
-                  <a:txBody>
-                    <a:bodyPr/>
-                    <a:lstStyle/>
-                    <a:p>
-                      <a:pPr marL="0" marR="0" indent="0" algn="l" defTabSz="914400" rtl="0" eaLnBrk="1" fontAlgn="auto" latinLnBrk="0" hangingPunct="1">
-                        <a:lnSpc>
-                          <a:spcPct val="100000"/>
-                        </a:lnSpc>
-                        <a:spcBef>
-                          <a:spcPts val="0"/>
-                        </a:spcBef>
-                        <a:spcAft>
-                          <a:spcPts val="0"/>
-                        </a:spcAft>
-                        <a:buClrTx/>
-                        <a:buSzTx/>
-                        <a:buFontTx/>
-                        <a:buNone/>
-                        <a:tabLst/>
-                        <a:defRPr/>
-                      </a:pPr>
-                      <a:r>
-                        <a:rPr lang="en-GB" altLang="zh-CN" dirty="0" smtClean="0"/>
-                        <a:t>Monthly sales</a:t>
-                      </a:r>
-                      <a:endParaRPr lang="zh-CN" altLang="en-US" dirty="0"/>
-                    </a:p>
-                  </a:txBody>
-                  <a:tcPr/>
-                </a:tc>
-              </a:tr>
-              <a:tr h="370840">
-                <a:tc>
-                  <a:txBody>
-                    <a:bodyPr/>
-                    <a:lstStyle/>
-                    <a:p>
-                      <a:r>
-                        <a:rPr lang="en-GB" altLang="zh-CN" dirty="0" smtClean="0"/>
-                        <a:t>Total Benefit</a:t>
-                      </a:r>
-                      <a:endParaRPr lang="zh-CN" altLang="en-US" dirty="0"/>
-                    </a:p>
-                  </a:txBody>
-                  <a:tcPr/>
-                </a:tc>
-                <a:tc>
-                  <a:txBody>
-                    <a:bodyPr/>
-                    <a:lstStyle/>
-                    <a:p>
-                      <a:pPr marL="0" marR="0" indent="0" algn="l" defTabSz="914400" rtl="0" eaLnBrk="1" fontAlgn="auto" latinLnBrk="0" hangingPunct="1">
-                        <a:lnSpc>
-                          <a:spcPct val="100000"/>
-                        </a:lnSpc>
-                        <a:spcBef>
-                          <a:spcPts val="0"/>
-                        </a:spcBef>
-                        <a:spcAft>
-                          <a:spcPts val="0"/>
-                        </a:spcAft>
-                        <a:buClrTx/>
-                        <a:buSzTx/>
-                        <a:buFontTx/>
-                        <a:buNone/>
-                        <a:tabLst/>
-                        <a:defRPr/>
-                      </a:pPr>
-                      <a:endParaRPr lang="zh-CN" altLang="en-US" dirty="0" smtClean="0"/>
-                    </a:p>
-                  </a:txBody>
-                  <a:tcPr/>
-                </a:tc>
-                <a:tc>
-                  <a:txBody>
-                    <a:bodyPr/>
-                    <a:lstStyle/>
-                    <a:p>
-                      <a:endParaRPr lang="zh-CN" altLang="en-US" dirty="0"/>
-                    </a:p>
-                  </a:txBody>
-                  <a:tcPr/>
-                </a:tc>
-                <a:tc>
-                  <a:txBody>
-                    <a:bodyPr/>
-                    <a:lstStyle/>
-                    <a:p>
-                      <a:pPr marL="0" marR="0" indent="0" algn="l" defTabSz="914400" rtl="0" eaLnBrk="1" fontAlgn="auto" latinLnBrk="0" hangingPunct="1">
-                        <a:lnSpc>
-                          <a:spcPct val="100000"/>
-                        </a:lnSpc>
-                        <a:spcBef>
-                          <a:spcPts val="0"/>
-                        </a:spcBef>
-                        <a:spcAft>
-                          <a:spcPts val="0"/>
-                        </a:spcAft>
-                        <a:buClrTx/>
-                        <a:buSzTx/>
-                        <a:buFontTx/>
-                        <a:buNone/>
-                        <a:tabLst/>
-                        <a:defRPr/>
-                      </a:pPr>
-                      <a:endParaRPr lang="zh-CN" altLang="en-US" dirty="0"/>
-                    </a:p>
-                  </a:txBody>
-                  <a:tcPr/>
-                </a:tc>
-              </a:tr>
-              <a:tr h="370840">
-                <a:tc>
-                  <a:txBody>
-                    <a:bodyPr/>
-                    <a:lstStyle/>
-                    <a:p>
-                      <a:r>
-                        <a:rPr lang="en-GB" altLang="zh-CN" dirty="0" smtClean="0"/>
-                        <a:t>Factory@210 </a:t>
-                      </a:r>
-                      <a:r>
-                        <a:rPr lang="en-GB" altLang="zh-CN" dirty="0" err="1" smtClean="0"/>
-                        <a:t>Lougheed</a:t>
-                      </a:r>
-                      <a:r>
-                        <a:rPr lang="en-GB" altLang="zh-CN" dirty="0" smtClean="0"/>
-                        <a:t> Road</a:t>
-                      </a:r>
-                      <a:endParaRPr lang="zh-CN" altLang="en-US" dirty="0"/>
-                    </a:p>
-                  </a:txBody>
-                  <a:tcPr/>
-                </a:tc>
-                <a:tc>
-                  <a:txBody>
-                    <a:bodyPr/>
-                    <a:lstStyle/>
-                    <a:p>
-                      <a:endParaRPr lang="zh-CN" altLang="en-US" dirty="0"/>
-                    </a:p>
-                  </a:txBody>
-                  <a:tcPr/>
-                </a:tc>
-                <a:tc>
-                  <a:txBody>
-                    <a:bodyPr/>
-                    <a:lstStyle/>
-                    <a:p>
-                      <a:endParaRPr lang="zh-CN" altLang="en-US" dirty="0"/>
-                    </a:p>
-                  </a:txBody>
-                  <a:tcPr/>
-                </a:tc>
-                <a:tc>
-                  <a:txBody>
-                    <a:bodyPr/>
-                    <a:lstStyle/>
-                    <a:p>
-                      <a:endParaRPr lang="zh-CN" altLang="en-US" dirty="0"/>
-                    </a:p>
-                  </a:txBody>
-                  <a:tcPr/>
-                </a:tc>
-              </a:tr>
-              <a:tr h="370840">
-                <a:tc>
-                  <a:txBody>
-                    <a:bodyPr/>
-                    <a:lstStyle/>
-                    <a:p>
-                      <a:r>
-                        <a:rPr lang="en-GB" altLang="zh-CN" dirty="0" smtClean="0"/>
-                        <a:t>Factory@1465 Ellis Street</a:t>
-                      </a:r>
-                      <a:endParaRPr lang="zh-CN" altLang="en-US" dirty="0"/>
-                    </a:p>
-                  </a:txBody>
-                  <a:tcPr/>
-                </a:tc>
-                <a:tc>
-                  <a:txBody>
-                    <a:bodyPr/>
-                    <a:lstStyle/>
-                    <a:p>
-                      <a:endParaRPr lang="zh-CN" altLang="en-US" dirty="0"/>
-                    </a:p>
-                  </a:txBody>
-                  <a:tcPr/>
-                </a:tc>
-                <a:tc>
-                  <a:txBody>
-                    <a:bodyPr/>
-                    <a:lstStyle/>
-                    <a:p>
-                      <a:endParaRPr lang="zh-CN" altLang="en-US" dirty="0"/>
-                    </a:p>
-                  </a:txBody>
-                  <a:tcPr/>
-                </a:tc>
-                <a:tc>
-                  <a:txBody>
-                    <a:bodyPr/>
-                    <a:lstStyle/>
-                    <a:p>
-                      <a:endParaRPr lang="zh-CN" altLang="en-US" dirty="0"/>
-                    </a:p>
-                  </a:txBody>
-                  <a:tcPr/>
-                </a:tc>
-              </a:tr>
-              <a:tr h="370840">
-                <a:tc>
-                  <a:txBody>
-                    <a:bodyPr/>
-                    <a:lstStyle/>
-                    <a:p>
-                      <a:r>
-                        <a:rPr lang="en-GB" altLang="zh-CN" dirty="0" smtClean="0"/>
-                        <a:t>Factory@1505 Hardy Street</a:t>
-                      </a:r>
-                      <a:endParaRPr lang="zh-CN" altLang="en-US" dirty="0"/>
-                    </a:p>
-                  </a:txBody>
-                  <a:tcPr/>
-                </a:tc>
-                <a:tc>
-                  <a:txBody>
-                    <a:bodyPr/>
-                    <a:lstStyle/>
-                    <a:p>
-                      <a:endParaRPr lang="zh-CN" altLang="en-US" dirty="0"/>
-                    </a:p>
-                  </a:txBody>
-                  <a:tcPr/>
-                </a:tc>
-                <a:tc>
-                  <a:txBody>
-                    <a:bodyPr/>
-                    <a:lstStyle/>
-                    <a:p>
-                      <a:endParaRPr lang="zh-CN" altLang="en-US" dirty="0"/>
-                    </a:p>
-                  </a:txBody>
-                  <a:tcPr/>
-                </a:tc>
-                <a:tc>
-                  <a:txBody>
-                    <a:bodyPr/>
-                    <a:lstStyle/>
-                    <a:p>
-                      <a:endParaRPr lang="zh-CN" altLang="en-US" dirty="0"/>
-                    </a:p>
-                  </a:txBody>
-                  <a:tcPr/>
-                </a:tc>
-              </a:tr>
-            </a:tbl>
-          </a:graphicData>
-        </a:graphic>
-      </p:graphicFrame>
       <p:sp>
         <p:nvSpPr>
           <p:cNvPr id="6" name="文本框 5"/>
@@ -4909,7 +4577,15 @@
             </a:r>
             <a:r>
               <a:rPr lang="en-GB" altLang="zh-CN" sz="2800" dirty="0" smtClean="0"/>
-              <a:t> one year bond rate)</a:t>
+              <a:t> </a:t>
+            </a:r>
+            <a:r>
+              <a:rPr lang="en-GB" altLang="zh-CN" sz="2800" dirty="0" smtClean="0"/>
+              <a:t>one year </a:t>
+            </a:r>
+            <a:r>
+              <a:rPr lang="en-GB" altLang="zh-CN" sz="2800" dirty="0" smtClean="0"/>
+              <a:t>bond rate)</a:t>
             </a:r>
             <a:endParaRPr lang="zh-CN" altLang="en-US" sz="2800" dirty="0"/>
           </a:p>
@@ -4923,13 +4599,16 @@
         </p:nvCxnSpPr>
         <p:spPr>
           <a:xfrm>
-            <a:off x="2664069" y="4589585"/>
+            <a:off x="2708031" y="4519247"/>
             <a:ext cx="5249008" cy="0"/>
           </a:xfrm>
           <a:prstGeom prst="straightConnector1">
             <a:avLst/>
           </a:prstGeom>
-          <a:ln>
+          <a:ln w="57150">
+            <a:solidFill>
+              <a:schemeClr val="tx1"/>
+            </a:solidFill>
             <a:tailEnd type="triangle"/>
           </a:ln>
         </p:spPr>
@@ -4956,7 +4635,7 @@
         </p:nvCxnSpPr>
         <p:spPr>
           <a:xfrm>
-            <a:off x="2646485" y="4563208"/>
+            <a:off x="2708031" y="4519247"/>
             <a:ext cx="0" cy="1257300"/>
           </a:xfrm>
           <a:prstGeom prst="straightConnector1">
@@ -4989,13 +4668,16 @@
         </p:nvCxnSpPr>
         <p:spPr>
           <a:xfrm flipV="1">
-            <a:off x="3604846" y="3938954"/>
+            <a:off x="3138854" y="3868616"/>
             <a:ext cx="0" cy="624254"/>
           </a:xfrm>
           <a:prstGeom prst="straightConnector1">
             <a:avLst/>
           </a:prstGeom>
           <a:ln>
+            <a:solidFill>
+              <a:schemeClr val="accent6"/>
+            </a:solidFill>
             <a:tailEnd type="triangle"/>
           </a:ln>
         </p:spPr>
@@ -5022,13 +4704,16 @@
         </p:nvCxnSpPr>
         <p:spPr>
           <a:xfrm flipV="1">
-            <a:off x="4053254" y="3938954"/>
+            <a:off x="3587262" y="3868616"/>
             <a:ext cx="0" cy="624254"/>
           </a:xfrm>
           <a:prstGeom prst="straightConnector1">
             <a:avLst/>
           </a:prstGeom>
           <a:ln>
+            <a:solidFill>
+              <a:schemeClr val="accent6"/>
+            </a:solidFill>
             <a:tailEnd type="triangle"/>
           </a:ln>
         </p:spPr>
@@ -5055,13 +4740,16 @@
         </p:nvCxnSpPr>
         <p:spPr>
           <a:xfrm flipV="1">
-            <a:off x="4457700" y="3938954"/>
+            <a:off x="3991708" y="3868616"/>
             <a:ext cx="0" cy="624254"/>
           </a:xfrm>
           <a:prstGeom prst="straightConnector1">
             <a:avLst/>
           </a:prstGeom>
           <a:ln>
+            <a:solidFill>
+              <a:schemeClr val="accent6"/>
+            </a:solidFill>
             <a:tailEnd type="triangle"/>
           </a:ln>
         </p:spPr>
@@ -5088,13 +4776,16 @@
         </p:nvCxnSpPr>
         <p:spPr>
           <a:xfrm flipV="1">
-            <a:off x="4879731" y="3938954"/>
+            <a:off x="4413739" y="3868616"/>
             <a:ext cx="0" cy="624254"/>
           </a:xfrm>
           <a:prstGeom prst="straightConnector1">
             <a:avLst/>
           </a:prstGeom>
           <a:ln>
+            <a:solidFill>
+              <a:schemeClr val="accent6"/>
+            </a:solidFill>
             <a:tailEnd type="triangle"/>
           </a:ln>
         </p:spPr>
@@ -5121,13 +4812,16 @@
         </p:nvCxnSpPr>
         <p:spPr>
           <a:xfrm flipV="1">
-            <a:off x="5266592" y="3938954"/>
+            <a:off x="4800600" y="3868616"/>
             <a:ext cx="0" cy="624254"/>
           </a:xfrm>
           <a:prstGeom prst="straightConnector1">
             <a:avLst/>
           </a:prstGeom>
           <a:ln>
+            <a:solidFill>
+              <a:schemeClr val="accent6"/>
+            </a:solidFill>
             <a:tailEnd type="triangle"/>
           </a:ln>
         </p:spPr>
@@ -5154,13 +4848,16 @@
         </p:nvCxnSpPr>
         <p:spPr>
           <a:xfrm flipV="1">
-            <a:off x="7385539" y="3938954"/>
+            <a:off x="6919547" y="3868616"/>
             <a:ext cx="0" cy="624254"/>
           </a:xfrm>
           <a:prstGeom prst="straightConnector1">
             <a:avLst/>
           </a:prstGeom>
           <a:ln>
+            <a:solidFill>
+              <a:schemeClr val="accent6"/>
+            </a:solidFill>
             <a:tailEnd type="triangle"/>
           </a:ln>
         </p:spPr>
@@ -5187,13 +4884,18 @@
         </p:nvCxnSpPr>
         <p:spPr>
           <a:xfrm>
-            <a:off x="3604846" y="4651131"/>
+            <a:off x="3138854" y="4580793"/>
             <a:ext cx="0" cy="351692"/>
           </a:xfrm>
           <a:prstGeom prst="straightConnector1">
             <a:avLst/>
           </a:prstGeom>
           <a:ln>
+            <a:solidFill>
+              <a:schemeClr val="accent2">
+                <a:lumMod val="75000"/>
+              </a:schemeClr>
+            </a:solidFill>
             <a:tailEnd type="triangle"/>
           </a:ln>
         </p:spPr>
@@ -5220,13 +4922,18 @@
         </p:nvCxnSpPr>
         <p:spPr>
           <a:xfrm>
-            <a:off x="4053254" y="4651131"/>
+            <a:off x="3587262" y="4580793"/>
             <a:ext cx="0" cy="351692"/>
           </a:xfrm>
           <a:prstGeom prst="straightConnector1">
             <a:avLst/>
           </a:prstGeom>
           <a:ln>
+            <a:solidFill>
+              <a:schemeClr val="accent2">
+                <a:lumMod val="75000"/>
+              </a:schemeClr>
+            </a:solidFill>
             <a:tailEnd type="triangle"/>
           </a:ln>
         </p:spPr>
@@ -5253,13 +4960,18 @@
         </p:nvCxnSpPr>
         <p:spPr>
           <a:xfrm>
-            <a:off x="4457700" y="4651131"/>
+            <a:off x="3991708" y="4580793"/>
             <a:ext cx="0" cy="351692"/>
           </a:xfrm>
           <a:prstGeom prst="straightConnector1">
             <a:avLst/>
           </a:prstGeom>
           <a:ln>
+            <a:solidFill>
+              <a:schemeClr val="accent2">
+                <a:lumMod val="75000"/>
+              </a:schemeClr>
+            </a:solidFill>
             <a:tailEnd type="triangle"/>
           </a:ln>
         </p:spPr>
@@ -5286,13 +4998,18 @@
         </p:nvCxnSpPr>
         <p:spPr>
           <a:xfrm>
-            <a:off x="4879731" y="4651131"/>
+            <a:off x="4413739" y="4580793"/>
             <a:ext cx="0" cy="351692"/>
           </a:xfrm>
           <a:prstGeom prst="straightConnector1">
             <a:avLst/>
           </a:prstGeom>
           <a:ln>
+            <a:solidFill>
+              <a:schemeClr val="accent2">
+                <a:lumMod val="75000"/>
+              </a:schemeClr>
+            </a:solidFill>
             <a:tailEnd type="triangle"/>
           </a:ln>
         </p:spPr>
@@ -5319,13 +5036,18 @@
         </p:nvCxnSpPr>
         <p:spPr>
           <a:xfrm>
-            <a:off x="5266592" y="4651131"/>
+            <a:off x="4800600" y="4580793"/>
             <a:ext cx="0" cy="351692"/>
           </a:xfrm>
           <a:prstGeom prst="straightConnector1">
             <a:avLst/>
           </a:prstGeom>
           <a:ln>
+            <a:solidFill>
+              <a:schemeClr val="accent2">
+                <a:lumMod val="75000"/>
+              </a:schemeClr>
+            </a:solidFill>
             <a:tailEnd type="triangle"/>
           </a:ln>
         </p:spPr>
@@ -5352,13 +5074,18 @@
         </p:nvCxnSpPr>
         <p:spPr>
           <a:xfrm>
-            <a:off x="7385539" y="4651131"/>
+            <a:off x="2734409" y="4598378"/>
             <a:ext cx="0" cy="351692"/>
           </a:xfrm>
           <a:prstGeom prst="straightConnector1">
             <a:avLst/>
           </a:prstGeom>
           <a:ln>
+            <a:solidFill>
+              <a:schemeClr val="accent2">
+                <a:lumMod val="75000"/>
+              </a:schemeClr>
+            </a:solidFill>
             <a:tailEnd type="triangle"/>
           </a:ln>
         </p:spPr>
@@ -5385,31 +5112,55 @@
         </p:nvSpPr>
         <p:spPr>
           <a:xfrm>
-            <a:off x="1409700" y="4826977"/>
-            <a:ext cx="6096000" cy="646331"/>
+            <a:off x="993531" y="4852094"/>
+            <a:ext cx="6318739" cy="646331"/>
           </a:xfrm>
           <a:prstGeom prst="rect">
             <a:avLst/>
           </a:prstGeom>
         </p:spPr>
         <p:txBody>
-          <a:bodyPr>
+          <a:bodyPr wrap="square">
             <a:spAutoFit/>
           </a:bodyPr>
           <a:lstStyle/>
           <a:p>
             <a:r>
-              <a:rPr lang="en-GB" altLang="zh-CN" dirty="0" smtClean="0"/>
-              <a:t>Equipment+</a:t>
+              <a:rPr lang="en-GB" altLang="zh-CN" dirty="0" smtClean="0">
+                <a:solidFill>
+                  <a:schemeClr val="accent1"/>
+                </a:solidFill>
+              </a:rPr>
+              <a:t>Equipment Cost+</a:t>
+            </a:r>
+            <a:r>
+              <a:rPr lang="en-GB" altLang="zh-CN" dirty="0" smtClean="0">
+                <a:solidFill>
+                  <a:schemeClr val="accent1"/>
+                </a:solidFill>
+              </a:rPr>
+              <a:t/>
             </a:r>
             <a:br>
-              <a:rPr lang="en-GB" altLang="zh-CN" dirty="0" smtClean="0"/>
+              <a:rPr lang="en-GB" altLang="zh-CN" dirty="0" smtClean="0">
+                <a:solidFill>
+                  <a:schemeClr val="accent1"/>
+                </a:solidFill>
+              </a:rPr>
             </a:br>
             <a:r>
-              <a:rPr lang="en-GB" altLang="zh-CN" dirty="0" smtClean="0"/>
-              <a:t>Agreement</a:t>
-            </a:r>
-            <a:endParaRPr lang="en-GB" altLang="zh-CN" dirty="0" smtClean="0"/>
+              <a:rPr lang="en-GB" altLang="zh-CN" dirty="0" smtClean="0">
+                <a:solidFill>
+                  <a:schemeClr val="accent1"/>
+                </a:solidFill>
+              </a:rPr>
+              <a:t>Agreement Cost</a:t>
+            </a:r>
+            <a:endParaRPr lang="en-GB" altLang="zh-CN" dirty="0" smtClean="0">
+              <a:solidFill>
+                <a:schemeClr val="accent1"/>
+              </a:solidFill>
+            </a:endParaRPr>
           </a:p>
         </p:txBody>
       </p:sp>
@@ -5421,7 +5172,7 @@
         </p:nvSpPr>
         <p:spPr>
           <a:xfrm>
-            <a:off x="3624668" y="5092910"/>
+            <a:off x="3158676" y="5022572"/>
             <a:ext cx="1641924" cy="369332"/>
           </a:xfrm>
           <a:prstGeom prst="rect">
@@ -5435,10 +5186,22 @@
           <a:lstStyle/>
           <a:p>
             <a:r>
-              <a:rPr lang="en-GB" altLang="zh-CN" dirty="0" smtClean="0"/>
+              <a:rPr lang="en-GB" altLang="zh-CN" dirty="0" smtClean="0">
+                <a:solidFill>
+                  <a:schemeClr val="accent2">
+                    <a:lumMod val="75000"/>
+                  </a:schemeClr>
+                </a:solidFill>
+              </a:rPr>
               <a:t>Cost per month</a:t>
             </a:r>
-            <a:endParaRPr lang="zh-CN" altLang="en-US" dirty="0"/>
+            <a:endParaRPr lang="zh-CN" altLang="en-US" dirty="0">
+              <a:solidFill>
+                <a:schemeClr val="accent2">
+                  <a:lumMod val="75000"/>
+                </a:schemeClr>
+              </a:solidFill>
+            </a:endParaRPr>
           </a:p>
         </p:txBody>
       </p:sp>
@@ -5450,7 +5213,7 @@
         </p:nvSpPr>
         <p:spPr>
           <a:xfrm>
-            <a:off x="3952118" y="3450927"/>
+            <a:off x="4055299" y="3457487"/>
             <a:ext cx="1490601" cy="369332"/>
           </a:xfrm>
           <a:prstGeom prst="rect">
@@ -5464,13 +5227,692 @@
           <a:lstStyle/>
           <a:p>
             <a:r>
+              <a:rPr lang="en-GB" altLang="zh-CN" dirty="0" smtClean="0">
+                <a:solidFill>
+                  <a:schemeClr val="accent6">
+                    <a:lumMod val="75000"/>
+                  </a:schemeClr>
+                </a:solidFill>
+              </a:rPr>
+              <a:t>Monthly sales</a:t>
+            </a:r>
+            <a:endParaRPr lang="zh-CN" altLang="en-US" dirty="0">
+              <a:solidFill>
+                <a:schemeClr val="accent6">
+                  <a:lumMod val="75000"/>
+                </a:schemeClr>
+              </a:solidFill>
+            </a:endParaRPr>
+          </a:p>
+        </p:txBody>
+      </p:sp>
+      <p:sp>
+        <p:nvSpPr>
+          <p:cNvPr id="2" name="文本框 1"/>
+          <p:cNvSpPr txBox="1"/>
+          <p:nvPr/>
+        </p:nvSpPr>
+        <p:spPr>
+          <a:xfrm>
+            <a:off x="5534526" y="3952061"/>
+            <a:ext cx="343364" cy="369332"/>
+          </a:xfrm>
+          <a:prstGeom prst="rect">
+            <a:avLst/>
+          </a:prstGeom>
+          <a:noFill/>
+        </p:spPr>
+        <p:txBody>
+          <a:bodyPr wrap="none" rtlCol="0">
+            <a:spAutoFit/>
+          </a:bodyPr>
+          <a:lstStyle/>
+          <a:p>
+            <a:r>
               <a:rPr lang="en-GB" altLang="zh-CN" dirty="0" smtClean="0"/>
-              <a:t>Monthly sales</a:t>
+              <a:t>…</a:t>
             </a:r>
             <a:endParaRPr lang="zh-CN" altLang="en-US" dirty="0"/>
           </a:p>
         </p:txBody>
       </p:sp>
+      <p:sp>
+        <p:nvSpPr>
+          <p:cNvPr id="27" name="文本框 26"/>
+          <p:cNvSpPr txBox="1"/>
+          <p:nvPr/>
+        </p:nvSpPr>
+        <p:spPr>
+          <a:xfrm>
+            <a:off x="5534526" y="4545625"/>
+            <a:ext cx="343364" cy="369332"/>
+          </a:xfrm>
+          <a:prstGeom prst="rect">
+            <a:avLst/>
+          </a:prstGeom>
+          <a:noFill/>
+        </p:spPr>
+        <p:txBody>
+          <a:bodyPr wrap="none" rtlCol="0">
+            <a:spAutoFit/>
+          </a:bodyPr>
+          <a:lstStyle/>
+          <a:p>
+            <a:r>
+              <a:rPr lang="en-GB" altLang="zh-CN" dirty="0" smtClean="0"/>
+              <a:t>…</a:t>
+            </a:r>
+            <a:endParaRPr lang="zh-CN" altLang="en-US" dirty="0"/>
+          </a:p>
+        </p:txBody>
+      </p:sp>
+      <p:cxnSp>
+        <p:nvCxnSpPr>
+          <p:cNvPr id="28" name="直接箭头连接符 27"/>
+          <p:cNvCxnSpPr/>
+          <p:nvPr/>
+        </p:nvCxnSpPr>
+        <p:spPr>
+          <a:xfrm flipV="1">
+            <a:off x="6515100" y="3868616"/>
+            <a:ext cx="0" cy="624254"/>
+          </a:xfrm>
+          <a:prstGeom prst="straightConnector1">
+            <a:avLst/>
+          </a:prstGeom>
+          <a:ln>
+            <a:solidFill>
+              <a:schemeClr val="accent6"/>
+            </a:solidFill>
+            <a:tailEnd type="triangle"/>
+          </a:ln>
+        </p:spPr>
+        <p:style>
+          <a:lnRef idx="1">
+            <a:schemeClr val="accent1"/>
+          </a:lnRef>
+          <a:fillRef idx="0">
+            <a:schemeClr val="accent1"/>
+          </a:fillRef>
+          <a:effectRef idx="0">
+            <a:schemeClr val="accent1"/>
+          </a:effectRef>
+          <a:fontRef idx="minor">
+            <a:schemeClr val="tx1"/>
+          </a:fontRef>
+        </p:style>
+      </p:cxnSp>
+      <p:cxnSp>
+        <p:nvCxnSpPr>
+          <p:cNvPr id="29" name="直接箭头连接符 28"/>
+          <p:cNvCxnSpPr/>
+          <p:nvPr/>
+        </p:nvCxnSpPr>
+        <p:spPr>
+          <a:xfrm>
+            <a:off x="6515100" y="4580793"/>
+            <a:ext cx="0" cy="351692"/>
+          </a:xfrm>
+          <a:prstGeom prst="straightConnector1">
+            <a:avLst/>
+          </a:prstGeom>
+          <a:ln>
+            <a:solidFill>
+              <a:schemeClr val="accent2">
+                <a:lumMod val="75000"/>
+              </a:schemeClr>
+            </a:solidFill>
+            <a:tailEnd type="triangle"/>
+          </a:ln>
+        </p:spPr>
+        <p:style>
+          <a:lnRef idx="1">
+            <a:schemeClr val="accent1"/>
+          </a:lnRef>
+          <a:fillRef idx="0">
+            <a:schemeClr val="accent1"/>
+          </a:fillRef>
+          <a:effectRef idx="0">
+            <a:schemeClr val="accent1"/>
+          </a:effectRef>
+          <a:fontRef idx="minor">
+            <a:schemeClr val="tx1"/>
+          </a:fontRef>
+        </p:style>
+      </p:cxnSp>
+      <p:sp>
+        <p:nvSpPr>
+          <p:cNvPr id="4" name="文本框 3"/>
+          <p:cNvSpPr txBox="1"/>
+          <p:nvPr/>
+        </p:nvSpPr>
+        <p:spPr>
+          <a:xfrm>
+            <a:off x="2488375" y="4176293"/>
+            <a:ext cx="301686" cy="369332"/>
+          </a:xfrm>
+          <a:prstGeom prst="rect">
+            <a:avLst/>
+          </a:prstGeom>
+          <a:noFill/>
+        </p:spPr>
+        <p:txBody>
+          <a:bodyPr wrap="none" rtlCol="0">
+            <a:spAutoFit/>
+          </a:bodyPr>
+          <a:lstStyle/>
+          <a:p>
+            <a:r>
+              <a:rPr lang="en-GB" altLang="zh-CN" dirty="0" smtClean="0"/>
+              <a:t>0</a:t>
+            </a:r>
+            <a:endParaRPr lang="zh-CN" altLang="en-US" dirty="0"/>
+          </a:p>
+        </p:txBody>
+      </p:sp>
+      <p:sp>
+        <p:nvSpPr>
+          <p:cNvPr id="30" name="文本框 29"/>
+          <p:cNvSpPr txBox="1"/>
+          <p:nvPr/>
+        </p:nvSpPr>
+        <p:spPr>
+          <a:xfrm>
+            <a:off x="2925778" y="4176293"/>
+            <a:ext cx="301686" cy="369332"/>
+          </a:xfrm>
+          <a:prstGeom prst="rect">
+            <a:avLst/>
+          </a:prstGeom>
+          <a:noFill/>
+        </p:spPr>
+        <p:txBody>
+          <a:bodyPr wrap="none" rtlCol="0">
+            <a:spAutoFit/>
+          </a:bodyPr>
+          <a:lstStyle/>
+          <a:p>
+            <a:r>
+              <a:rPr lang="en-GB" altLang="zh-CN" dirty="0" smtClean="0"/>
+              <a:t>1</a:t>
+            </a:r>
+            <a:endParaRPr lang="zh-CN" altLang="en-US" dirty="0"/>
+          </a:p>
+        </p:txBody>
+      </p:sp>
+      <p:sp>
+        <p:nvSpPr>
+          <p:cNvPr id="31" name="文本框 30"/>
+          <p:cNvSpPr txBox="1"/>
+          <p:nvPr/>
+        </p:nvSpPr>
+        <p:spPr>
+          <a:xfrm>
+            <a:off x="3340645" y="4176293"/>
+            <a:ext cx="301686" cy="369332"/>
+          </a:xfrm>
+          <a:prstGeom prst="rect">
+            <a:avLst/>
+          </a:prstGeom>
+          <a:noFill/>
+        </p:spPr>
+        <p:txBody>
+          <a:bodyPr wrap="none" rtlCol="0">
+            <a:spAutoFit/>
+          </a:bodyPr>
+          <a:lstStyle/>
+          <a:p>
+            <a:r>
+              <a:rPr lang="en-GB" altLang="zh-CN" dirty="0" smtClean="0"/>
+              <a:t>2</a:t>
+            </a:r>
+            <a:endParaRPr lang="zh-CN" altLang="en-US" dirty="0"/>
+          </a:p>
+        </p:txBody>
+      </p:sp>
+      <p:sp>
+        <p:nvSpPr>
+          <p:cNvPr id="32" name="文本框 31"/>
+          <p:cNvSpPr txBox="1"/>
+          <p:nvPr/>
+        </p:nvSpPr>
+        <p:spPr>
+          <a:xfrm>
+            <a:off x="6600059" y="4176293"/>
+            <a:ext cx="418704" cy="369332"/>
+          </a:xfrm>
+          <a:prstGeom prst="rect">
+            <a:avLst/>
+          </a:prstGeom>
+          <a:noFill/>
+        </p:spPr>
+        <p:txBody>
+          <a:bodyPr wrap="none" rtlCol="0">
+            <a:spAutoFit/>
+          </a:bodyPr>
+          <a:lstStyle/>
+          <a:p>
+            <a:r>
+              <a:rPr lang="en-GB" altLang="zh-CN" dirty="0" smtClean="0"/>
+              <a:t>12</a:t>
+            </a:r>
+            <a:endParaRPr lang="zh-CN" altLang="en-US" dirty="0"/>
+          </a:p>
+        </p:txBody>
+      </p:sp>
+      <p:sp>
+        <p:nvSpPr>
+          <p:cNvPr id="33" name="文本框 32"/>
+          <p:cNvSpPr txBox="1"/>
+          <p:nvPr/>
+        </p:nvSpPr>
+        <p:spPr>
+          <a:xfrm>
+            <a:off x="6195613" y="4176293"/>
+            <a:ext cx="418704" cy="369332"/>
+          </a:xfrm>
+          <a:prstGeom prst="rect">
+            <a:avLst/>
+          </a:prstGeom>
+          <a:noFill/>
+        </p:spPr>
+        <p:txBody>
+          <a:bodyPr wrap="none" rtlCol="0">
+            <a:spAutoFit/>
+          </a:bodyPr>
+          <a:lstStyle/>
+          <a:p>
+            <a:r>
+              <a:rPr lang="en-GB" altLang="zh-CN" dirty="0" smtClean="0"/>
+              <a:t>11</a:t>
+            </a:r>
+            <a:endParaRPr lang="zh-CN" altLang="en-US" dirty="0"/>
+          </a:p>
+        </p:txBody>
+      </p:sp>
+      <p:graphicFrame>
+        <p:nvGraphicFramePr>
+          <p:cNvPr id="37" name="表格 36"/>
+          <p:cNvGraphicFramePr>
+            <a:graphicFrameLocks noGrp="1"/>
+          </p:cNvGraphicFramePr>
+          <p:nvPr>
+            <p:extLst>
+              <p:ext uri="{D42A27DB-BD31-4B8C-83A1-F6EECF244321}">
+                <p14:modId xmlns:p14="http://schemas.microsoft.com/office/powerpoint/2010/main" val="3948975370"/>
+              </p:ext>
+            </p:extLst>
+          </p:nvPr>
+        </p:nvGraphicFramePr>
+        <p:xfrm>
+          <a:off x="633047" y="719666"/>
+          <a:ext cx="9821007" cy="1854200"/>
+        </p:xfrm>
+        <a:graphic>
+          <a:graphicData uri="http://schemas.openxmlformats.org/drawingml/2006/table">
+            <a:tbl>
+              <a:tblPr firstRow="1" bandRow="1">
+                <a:tableStyleId>{5C22544A-7EE6-4342-B048-85BDC9FD1C3A}</a:tableStyleId>
+              </a:tblPr>
+              <a:tblGrid>
+                <a:gridCol w="3094891"/>
+                <a:gridCol w="1565031"/>
+                <a:gridCol w="2277208"/>
+                <a:gridCol w="2883877"/>
+              </a:tblGrid>
+              <a:tr h="370840">
+                <a:tc>
+                  <a:txBody>
+                    <a:bodyPr/>
+                    <a:lstStyle/>
+                    <a:p>
+                      <a:endParaRPr lang="zh-CN" altLang="en-US" dirty="0"/>
+                    </a:p>
+                  </a:txBody>
+                  <a:tcPr/>
+                </a:tc>
+                <a:tc>
+                  <a:txBody>
+                    <a:bodyPr/>
+                    <a:lstStyle/>
+                    <a:p>
+                      <a:r>
+                        <a:rPr lang="en-GB" altLang="zh-CN" dirty="0" smtClean="0"/>
+                        <a:t>Z1 (CAD)</a:t>
+                      </a:r>
+                      <a:endParaRPr lang="zh-CN" altLang="en-US" dirty="0"/>
+                    </a:p>
+                  </a:txBody>
+                  <a:tcPr/>
+                </a:tc>
+                <a:tc>
+                  <a:txBody>
+                    <a:bodyPr/>
+                    <a:lstStyle/>
+                    <a:p>
+                      <a:r>
+                        <a:rPr lang="en-GB" altLang="zh-CN" dirty="0" smtClean="0"/>
+                        <a:t>B/C </a:t>
+                      </a:r>
+                      <a:r>
+                        <a:rPr lang="en-GB" altLang="zh-CN" dirty="0" smtClean="0"/>
+                        <a:t>Rate (0%)</a:t>
+                      </a:r>
+                      <a:endParaRPr lang="zh-CN" altLang="en-US" dirty="0"/>
+                    </a:p>
+                  </a:txBody>
+                  <a:tcPr/>
+                </a:tc>
+                <a:tc>
+                  <a:txBody>
+                    <a:bodyPr/>
+                    <a:lstStyle/>
+                    <a:p>
+                      <a:r>
+                        <a:rPr lang="en-GB" altLang="zh-CN" dirty="0" smtClean="0"/>
+                        <a:t>B/C </a:t>
+                      </a:r>
+                      <a:r>
+                        <a:rPr lang="en-GB" altLang="zh-CN" dirty="0" smtClean="0"/>
+                        <a:t>Rate (3.874%)</a:t>
+                      </a:r>
+                      <a:endParaRPr lang="zh-CN" altLang="en-US" dirty="0"/>
+                    </a:p>
+                  </a:txBody>
+                  <a:tcPr/>
+                </a:tc>
+              </a:tr>
+              <a:tr h="370840">
+                <a:tc>
+                  <a:txBody>
+                    <a:bodyPr/>
+                    <a:lstStyle/>
+                    <a:p>
+                      <a:r>
+                        <a:rPr lang="en-GB" altLang="zh-CN" dirty="0" smtClean="0"/>
+                        <a:t>Total Benefit</a:t>
+                      </a:r>
+                      <a:endParaRPr lang="zh-CN" altLang="en-US" dirty="0"/>
+                    </a:p>
+                  </a:txBody>
+                  <a:tcPr/>
+                </a:tc>
+                <a:tc>
+                  <a:txBody>
+                    <a:bodyPr/>
+                    <a:lstStyle/>
+                    <a:p>
+                      <a:pPr marL="0" marR="0" indent="0" algn="l" defTabSz="914400" rtl="0" eaLnBrk="1" fontAlgn="auto" latinLnBrk="0" hangingPunct="1">
+                        <a:lnSpc>
+                          <a:spcPct val="100000"/>
+                        </a:lnSpc>
+                        <a:spcBef>
+                          <a:spcPts val="0"/>
+                        </a:spcBef>
+                        <a:spcAft>
+                          <a:spcPts val="0"/>
+                        </a:spcAft>
+                        <a:buClrTx/>
+                        <a:buSzTx/>
+                        <a:buFontTx/>
+                        <a:buNone/>
+                        <a:tabLst/>
+                        <a:defRPr/>
+                      </a:pPr>
+                      <a:endParaRPr lang="zh-CN" altLang="en-US" dirty="0" smtClean="0"/>
+                    </a:p>
+                  </a:txBody>
+                  <a:tcPr/>
+                </a:tc>
+                <a:tc>
+                  <a:txBody>
+                    <a:bodyPr/>
+                    <a:lstStyle/>
+                    <a:p>
+                      <a:pPr marL="0" marR="0" indent="0" algn="l" defTabSz="914400" rtl="0" eaLnBrk="1" fontAlgn="auto" latinLnBrk="0" hangingPunct="1">
+                        <a:lnSpc>
+                          <a:spcPct val="100000"/>
+                        </a:lnSpc>
+                        <a:spcBef>
+                          <a:spcPts val="0"/>
+                        </a:spcBef>
+                        <a:spcAft>
+                          <a:spcPts val="0"/>
+                        </a:spcAft>
+                        <a:buClrTx/>
+                        <a:buSzTx/>
+                        <a:buFontTx/>
+                        <a:buNone/>
+                        <a:tabLst/>
+                        <a:defRPr/>
+                      </a:pPr>
+                      <a:r>
+                        <a:rPr lang="en-GB" altLang="zh-CN" dirty="0" smtClean="0"/>
+                        <a:t>198000 CAD</a:t>
+                      </a:r>
+                      <a:endParaRPr lang="zh-CN" altLang="en-US" dirty="0"/>
+                    </a:p>
+                  </a:txBody>
+                  <a:tcPr/>
+                </a:tc>
+                <a:tc>
+                  <a:txBody>
+                    <a:bodyPr/>
+                    <a:lstStyle/>
+                    <a:p>
+                      <a:pPr marL="0" marR="0" indent="0" algn="l" defTabSz="914400" rtl="0" eaLnBrk="1" fontAlgn="auto" latinLnBrk="0" hangingPunct="1">
+                        <a:lnSpc>
+                          <a:spcPct val="100000"/>
+                        </a:lnSpc>
+                        <a:spcBef>
+                          <a:spcPts val="0"/>
+                        </a:spcBef>
+                        <a:spcAft>
+                          <a:spcPts val="0"/>
+                        </a:spcAft>
+                        <a:buClrTx/>
+                        <a:buSzTx/>
+                        <a:buFontTx/>
+                        <a:buNone/>
+                        <a:tabLst/>
+                        <a:defRPr/>
+                      </a:pPr>
+                      <a:r>
+                        <a:rPr lang="en-GB" altLang="zh-CN" dirty="0" smtClean="0"/>
+                        <a:t>198000 CAD</a:t>
+                      </a:r>
+                      <a:endParaRPr lang="zh-CN" altLang="en-US" dirty="0"/>
+                    </a:p>
+                  </a:txBody>
+                  <a:tcPr/>
+                </a:tc>
+              </a:tr>
+              <a:tr h="370840">
+                <a:tc>
+                  <a:txBody>
+                    <a:bodyPr/>
+                    <a:lstStyle/>
+                    <a:p>
+                      <a:r>
+                        <a:rPr lang="en-GB" altLang="zh-CN" dirty="0" smtClean="0"/>
+                        <a:t>Factory@210 </a:t>
+                      </a:r>
+                      <a:r>
+                        <a:rPr lang="en-GB" altLang="zh-CN" dirty="0" err="1" smtClean="0"/>
+                        <a:t>Lougheed</a:t>
+                      </a:r>
+                      <a:r>
+                        <a:rPr lang="en-GB" altLang="zh-CN" dirty="0" smtClean="0"/>
+                        <a:t> Road</a:t>
+                      </a:r>
+                      <a:endParaRPr lang="zh-CN" altLang="en-US" dirty="0"/>
+                    </a:p>
+                  </a:txBody>
+                  <a:tcPr/>
+                </a:tc>
+                <a:tc>
+                  <a:txBody>
+                    <a:bodyPr/>
+                    <a:lstStyle/>
+                    <a:p>
+                      <a:r>
+                        <a:rPr lang="en-US" altLang="zh-CN" dirty="0" smtClean="0"/>
+                        <a:t>195202.63</a:t>
+                      </a:r>
+                      <a:endParaRPr lang="zh-CN" altLang="en-US" dirty="0"/>
+                    </a:p>
+                  </a:txBody>
+                  <a:tcPr/>
+                </a:tc>
+                <a:tc>
+                  <a:txBody>
+                    <a:bodyPr/>
+                    <a:lstStyle/>
+                    <a:p>
+                      <a:r>
+                        <a:rPr lang="en-GB" altLang="zh-CN" dirty="0" smtClean="0"/>
+                        <a:t>101.4%</a:t>
+                      </a:r>
+                      <a:endParaRPr lang="zh-CN" altLang="en-US" dirty="0"/>
+                    </a:p>
+                  </a:txBody>
+                  <a:tcPr/>
+                </a:tc>
+                <a:tc>
+                  <a:txBody>
+                    <a:bodyPr/>
+                    <a:lstStyle/>
+                    <a:p>
+                      <a:r>
+                        <a:rPr lang="en-GB" altLang="zh-CN" dirty="0" smtClean="0"/>
+                        <a:t>100.8%</a:t>
+                      </a:r>
+                      <a:endParaRPr lang="zh-CN" altLang="en-US" dirty="0"/>
+                    </a:p>
+                  </a:txBody>
+                  <a:tcPr/>
+                </a:tc>
+              </a:tr>
+              <a:tr h="370840">
+                <a:tc>
+                  <a:txBody>
+                    <a:bodyPr/>
+                    <a:lstStyle/>
+                    <a:p>
+                      <a:r>
+                        <a:rPr lang="en-GB" altLang="zh-CN" dirty="0" smtClean="0"/>
+                        <a:t>Factory@1465 Ellis Street</a:t>
+                      </a:r>
+                      <a:endParaRPr lang="zh-CN" altLang="en-US" dirty="0"/>
+                    </a:p>
+                  </a:txBody>
+                  <a:tcPr/>
+                </a:tc>
+                <a:tc>
+                  <a:txBody>
+                    <a:bodyPr/>
+                    <a:lstStyle/>
+                    <a:p>
+                      <a:r>
+                        <a:rPr lang="en-US" altLang="zh-CN" dirty="0" smtClean="0"/>
+                        <a:t>173589.91</a:t>
+                      </a:r>
+                      <a:endParaRPr lang="zh-CN" altLang="en-US" dirty="0"/>
+                    </a:p>
+                  </a:txBody>
+                  <a:tcPr/>
+                </a:tc>
+                <a:tc>
+                  <a:txBody>
+                    <a:bodyPr/>
+                    <a:lstStyle/>
+                    <a:p>
+                      <a:r>
+                        <a:rPr lang="en-GB" altLang="zh-CN" dirty="0" smtClean="0"/>
+                        <a:t>114.1%</a:t>
+                      </a:r>
+                      <a:endParaRPr lang="zh-CN" altLang="en-US" dirty="0"/>
+                    </a:p>
+                  </a:txBody>
+                  <a:tcPr/>
+                </a:tc>
+                <a:tc>
+                  <a:txBody>
+                    <a:bodyPr/>
+                    <a:lstStyle/>
+                    <a:p>
+                      <a:r>
+                        <a:rPr lang="en-GB" altLang="zh-CN" dirty="0" smtClean="0"/>
+                        <a:t>112.4%</a:t>
+                      </a:r>
+                      <a:endParaRPr lang="zh-CN" altLang="en-US" dirty="0"/>
+                    </a:p>
+                  </a:txBody>
+                  <a:tcPr/>
+                </a:tc>
+              </a:tr>
+              <a:tr h="370840">
+                <a:tc>
+                  <a:txBody>
+                    <a:bodyPr/>
+                    <a:lstStyle/>
+                    <a:p>
+                      <a:r>
+                        <a:rPr lang="en-GB" altLang="zh-CN" dirty="0" smtClean="0"/>
+                        <a:t>Factory@1505 Hardy Street</a:t>
+                      </a:r>
+                      <a:endParaRPr lang="zh-CN" altLang="en-US" dirty="0"/>
+                    </a:p>
+                  </a:txBody>
+                  <a:tcPr/>
+                </a:tc>
+                <a:tc>
+                  <a:txBody>
+                    <a:bodyPr/>
+                    <a:lstStyle/>
+                    <a:p>
+                      <a:r>
+                        <a:rPr lang="en-US" altLang="zh-CN" dirty="0" smtClean="0"/>
+                        <a:t>172595.1</a:t>
+                      </a:r>
+                      <a:endParaRPr lang="zh-CN" altLang="en-US" dirty="0"/>
+                    </a:p>
+                  </a:txBody>
+                  <a:tcPr/>
+                </a:tc>
+                <a:tc>
+                  <a:txBody>
+                    <a:bodyPr/>
+                    <a:lstStyle/>
+                    <a:p>
+                      <a:r>
+                        <a:rPr lang="en-GB" altLang="zh-CN" dirty="0" smtClean="0"/>
+                        <a:t>114.7%</a:t>
+                      </a:r>
+                      <a:endParaRPr lang="zh-CN" altLang="en-US" dirty="0"/>
+                    </a:p>
+                  </a:txBody>
+                  <a:tcPr/>
+                </a:tc>
+                <a:tc>
+                  <a:txBody>
+                    <a:bodyPr/>
+                    <a:lstStyle/>
+                    <a:p>
+                      <a:r>
+                        <a:rPr lang="en-GB" altLang="zh-CN" dirty="0" smtClean="0"/>
+                        <a:t>113.0%</a:t>
+                      </a:r>
+                      <a:endParaRPr lang="zh-CN" altLang="en-US" dirty="0"/>
+                    </a:p>
+                  </a:txBody>
+                  <a:tcPr/>
+                </a:tc>
+              </a:tr>
+            </a:tbl>
+          </a:graphicData>
+        </a:graphic>
+      </p:graphicFrame>
     </p:spTree>
     <p:extLst>
       <p:ext uri="{BB962C8B-B14F-4D97-AF65-F5344CB8AC3E}">

--- a/Project2/cost benefit.pptx
+++ b/Project2/cost benefit.pptx
@@ -158,10 +158,9 @@
           </a:lstStyle>
           <a:p>
             <a:r>
-              <a:rPr lang="zh-CN" altLang="en-US" smtClean="0"/>
+              <a:rPr lang="zh-CN" altLang="en-US"/>
               <a:t>单击此处编辑母版标题样式</a:t>
             </a:r>
-            <a:endParaRPr lang="zh-CN" altLang="en-US"/>
           </a:p>
         </p:txBody>
       </p:sp>
@@ -223,10 +222,9 @@
           </a:lstStyle>
           <a:p>
             <a:r>
-              <a:rPr lang="zh-CN" altLang="en-US" smtClean="0"/>
+              <a:rPr lang="zh-CN" altLang="en-US"/>
               <a:t>单击此处编辑母版副标题样式</a:t>
             </a:r>
-            <a:endParaRPr lang="zh-CN" altLang="en-US"/>
           </a:p>
         </p:txBody>
       </p:sp>
@@ -341,10 +339,9 @@
           <a:lstStyle/>
           <a:p>
             <a:r>
-              <a:rPr lang="zh-CN" altLang="en-US" smtClean="0"/>
+              <a:rPr lang="zh-CN" altLang="en-US"/>
               <a:t>单击此处编辑母版标题样式</a:t>
             </a:r>
-            <a:endParaRPr lang="zh-CN" altLang="en-US"/>
           </a:p>
         </p:txBody>
       </p:sp>
@@ -365,38 +362,37 @@
           <a:p>
             <a:pPr lvl="0"/>
             <a:r>
-              <a:rPr lang="zh-CN" altLang="en-US" smtClean="0"/>
+              <a:rPr lang="zh-CN" altLang="en-US"/>
               <a:t>单击此处编辑母版文本样式</a:t>
             </a:r>
           </a:p>
           <a:p>
             <a:pPr lvl="1"/>
             <a:r>
-              <a:rPr lang="zh-CN" altLang="en-US" smtClean="0"/>
+              <a:rPr lang="zh-CN" altLang="en-US"/>
               <a:t>第二级</a:t>
             </a:r>
           </a:p>
           <a:p>
             <a:pPr lvl="2"/>
             <a:r>
-              <a:rPr lang="zh-CN" altLang="en-US" smtClean="0"/>
+              <a:rPr lang="zh-CN" altLang="en-US"/>
               <a:t>第三级</a:t>
             </a:r>
           </a:p>
           <a:p>
             <a:pPr lvl="3"/>
             <a:r>
-              <a:rPr lang="zh-CN" altLang="en-US" smtClean="0"/>
+              <a:rPr lang="zh-CN" altLang="en-US"/>
               <a:t>第四级</a:t>
             </a:r>
           </a:p>
           <a:p>
             <a:pPr lvl="4"/>
             <a:r>
-              <a:rPr lang="zh-CN" altLang="en-US" smtClean="0"/>
+              <a:rPr lang="zh-CN" altLang="en-US"/>
               <a:t>第五级</a:t>
             </a:r>
-            <a:endParaRPr lang="zh-CN" altLang="en-US"/>
           </a:p>
         </p:txBody>
       </p:sp>
@@ -516,10 +512,9 @@
           <a:lstStyle/>
           <a:p>
             <a:r>
-              <a:rPr lang="zh-CN" altLang="en-US" smtClean="0"/>
+              <a:rPr lang="zh-CN" altLang="en-US"/>
               <a:t>单击此处编辑母版标题样式</a:t>
             </a:r>
-            <a:endParaRPr lang="zh-CN" altLang="en-US"/>
           </a:p>
         </p:txBody>
       </p:sp>
@@ -545,38 +540,37 @@
           <a:p>
             <a:pPr lvl="0"/>
             <a:r>
-              <a:rPr lang="zh-CN" altLang="en-US" smtClean="0"/>
+              <a:rPr lang="zh-CN" altLang="en-US"/>
               <a:t>单击此处编辑母版文本样式</a:t>
             </a:r>
           </a:p>
           <a:p>
             <a:pPr lvl="1"/>
             <a:r>
-              <a:rPr lang="zh-CN" altLang="en-US" smtClean="0"/>
+              <a:rPr lang="zh-CN" altLang="en-US"/>
               <a:t>第二级</a:t>
             </a:r>
           </a:p>
           <a:p>
             <a:pPr lvl="2"/>
             <a:r>
-              <a:rPr lang="zh-CN" altLang="en-US" smtClean="0"/>
+              <a:rPr lang="zh-CN" altLang="en-US"/>
               <a:t>第三级</a:t>
             </a:r>
           </a:p>
           <a:p>
             <a:pPr lvl="3"/>
             <a:r>
-              <a:rPr lang="zh-CN" altLang="en-US" smtClean="0"/>
+              <a:rPr lang="zh-CN" altLang="en-US"/>
               <a:t>第四级</a:t>
             </a:r>
           </a:p>
           <a:p>
             <a:pPr lvl="4"/>
             <a:r>
-              <a:rPr lang="zh-CN" altLang="en-US" smtClean="0"/>
+              <a:rPr lang="zh-CN" altLang="en-US"/>
               <a:t>第五级</a:t>
             </a:r>
-            <a:endParaRPr lang="zh-CN" altLang="en-US"/>
           </a:p>
         </p:txBody>
       </p:sp>
@@ -691,10 +685,9 @@
           <a:lstStyle/>
           <a:p>
             <a:r>
-              <a:rPr lang="zh-CN" altLang="en-US" smtClean="0"/>
+              <a:rPr lang="zh-CN" altLang="en-US"/>
               <a:t>单击此处编辑母版标题样式</a:t>
             </a:r>
-            <a:endParaRPr lang="zh-CN" altLang="en-US"/>
           </a:p>
         </p:txBody>
       </p:sp>
@@ -715,38 +708,37 @@
           <a:p>
             <a:pPr lvl="0"/>
             <a:r>
-              <a:rPr lang="zh-CN" altLang="en-US" smtClean="0"/>
+              <a:rPr lang="zh-CN" altLang="en-US"/>
               <a:t>单击此处编辑母版文本样式</a:t>
             </a:r>
           </a:p>
           <a:p>
             <a:pPr lvl="1"/>
             <a:r>
-              <a:rPr lang="zh-CN" altLang="en-US" smtClean="0"/>
+              <a:rPr lang="zh-CN" altLang="en-US"/>
               <a:t>第二级</a:t>
             </a:r>
           </a:p>
           <a:p>
             <a:pPr lvl="2"/>
             <a:r>
-              <a:rPr lang="zh-CN" altLang="en-US" smtClean="0"/>
+              <a:rPr lang="zh-CN" altLang="en-US"/>
               <a:t>第三级</a:t>
             </a:r>
           </a:p>
           <a:p>
             <a:pPr lvl="3"/>
             <a:r>
-              <a:rPr lang="zh-CN" altLang="en-US" smtClean="0"/>
+              <a:rPr lang="zh-CN" altLang="en-US"/>
               <a:t>第四级</a:t>
             </a:r>
           </a:p>
           <a:p>
             <a:pPr lvl="4"/>
             <a:r>
-              <a:rPr lang="zh-CN" altLang="en-US" smtClean="0"/>
+              <a:rPr lang="zh-CN" altLang="en-US"/>
               <a:t>第五级</a:t>
             </a:r>
-            <a:endParaRPr lang="zh-CN" altLang="en-US"/>
           </a:p>
         </p:txBody>
       </p:sp>
@@ -870,10 +862,9 @@
           </a:lstStyle>
           <a:p>
             <a:r>
-              <a:rPr lang="zh-CN" altLang="en-US" smtClean="0"/>
+              <a:rPr lang="zh-CN" altLang="en-US"/>
               <a:t>单击此处编辑母版标题样式</a:t>
             </a:r>
-            <a:endParaRPr lang="zh-CN" altLang="en-US"/>
           </a:p>
         </p:txBody>
       </p:sp>
@@ -990,7 +981,7 @@
           <a:p>
             <a:pPr lvl="0"/>
             <a:r>
-              <a:rPr lang="zh-CN" altLang="en-US" smtClean="0"/>
+              <a:rPr lang="zh-CN" altLang="en-US"/>
               <a:t>单击此处编辑母版文本样式</a:t>
             </a:r>
           </a:p>
@@ -1107,10 +1098,9 @@
           <a:lstStyle/>
           <a:p>
             <a:r>
-              <a:rPr lang="zh-CN" altLang="en-US" smtClean="0"/>
+              <a:rPr lang="zh-CN" altLang="en-US"/>
               <a:t>单击此处编辑母版标题样式</a:t>
             </a:r>
-            <a:endParaRPr lang="zh-CN" altLang="en-US"/>
           </a:p>
         </p:txBody>
       </p:sp>
@@ -1136,38 +1126,37 @@
           <a:p>
             <a:pPr lvl="0"/>
             <a:r>
-              <a:rPr lang="zh-CN" altLang="en-US" smtClean="0"/>
+              <a:rPr lang="zh-CN" altLang="en-US"/>
               <a:t>单击此处编辑母版文本样式</a:t>
             </a:r>
           </a:p>
           <a:p>
             <a:pPr lvl="1"/>
             <a:r>
-              <a:rPr lang="zh-CN" altLang="en-US" smtClean="0"/>
+              <a:rPr lang="zh-CN" altLang="en-US"/>
               <a:t>第二级</a:t>
             </a:r>
           </a:p>
           <a:p>
             <a:pPr lvl="2"/>
             <a:r>
-              <a:rPr lang="zh-CN" altLang="en-US" smtClean="0"/>
+              <a:rPr lang="zh-CN" altLang="en-US"/>
               <a:t>第三级</a:t>
             </a:r>
           </a:p>
           <a:p>
             <a:pPr lvl="3"/>
             <a:r>
-              <a:rPr lang="zh-CN" altLang="en-US" smtClean="0"/>
+              <a:rPr lang="zh-CN" altLang="en-US"/>
               <a:t>第四级</a:t>
             </a:r>
           </a:p>
           <a:p>
             <a:pPr lvl="4"/>
             <a:r>
-              <a:rPr lang="zh-CN" altLang="en-US" smtClean="0"/>
+              <a:rPr lang="zh-CN" altLang="en-US"/>
               <a:t>第五级</a:t>
             </a:r>
-            <a:endParaRPr lang="zh-CN" altLang="en-US"/>
           </a:p>
         </p:txBody>
       </p:sp>
@@ -1193,38 +1182,37 @@
           <a:p>
             <a:pPr lvl="0"/>
             <a:r>
-              <a:rPr lang="zh-CN" altLang="en-US" smtClean="0"/>
+              <a:rPr lang="zh-CN" altLang="en-US"/>
               <a:t>单击此处编辑母版文本样式</a:t>
             </a:r>
           </a:p>
           <a:p>
             <a:pPr lvl="1"/>
             <a:r>
-              <a:rPr lang="zh-CN" altLang="en-US" smtClean="0"/>
+              <a:rPr lang="zh-CN" altLang="en-US"/>
               <a:t>第二级</a:t>
             </a:r>
           </a:p>
           <a:p>
             <a:pPr lvl="2"/>
             <a:r>
-              <a:rPr lang="zh-CN" altLang="en-US" smtClean="0"/>
+              <a:rPr lang="zh-CN" altLang="en-US"/>
               <a:t>第三级</a:t>
             </a:r>
           </a:p>
           <a:p>
             <a:pPr lvl="3"/>
             <a:r>
-              <a:rPr lang="zh-CN" altLang="en-US" smtClean="0"/>
+              <a:rPr lang="zh-CN" altLang="en-US"/>
               <a:t>第四级</a:t>
             </a:r>
           </a:p>
           <a:p>
             <a:pPr lvl="4"/>
             <a:r>
-              <a:rPr lang="zh-CN" altLang="en-US" smtClean="0"/>
+              <a:rPr lang="zh-CN" altLang="en-US"/>
               <a:t>第五级</a:t>
             </a:r>
-            <a:endParaRPr lang="zh-CN" altLang="en-US"/>
           </a:p>
         </p:txBody>
       </p:sp>
@@ -1344,10 +1332,9 @@
           <a:lstStyle/>
           <a:p>
             <a:r>
-              <a:rPr lang="zh-CN" altLang="en-US" smtClean="0"/>
+              <a:rPr lang="zh-CN" altLang="en-US"/>
               <a:t>单击此处编辑母版标题样式</a:t>
             </a:r>
-            <a:endParaRPr lang="zh-CN" altLang="en-US"/>
           </a:p>
         </p:txBody>
       </p:sp>
@@ -1410,7 +1397,7 @@
           <a:p>
             <a:pPr lvl="0"/>
             <a:r>
-              <a:rPr lang="zh-CN" altLang="en-US" smtClean="0"/>
+              <a:rPr lang="zh-CN" altLang="en-US"/>
               <a:t>单击此处编辑母版文本样式</a:t>
             </a:r>
           </a:p>
@@ -1438,38 +1425,37 @@
           <a:p>
             <a:pPr lvl="0"/>
             <a:r>
-              <a:rPr lang="zh-CN" altLang="en-US" smtClean="0"/>
+              <a:rPr lang="zh-CN" altLang="en-US"/>
               <a:t>单击此处编辑母版文本样式</a:t>
             </a:r>
           </a:p>
           <a:p>
             <a:pPr lvl="1"/>
             <a:r>
-              <a:rPr lang="zh-CN" altLang="en-US" smtClean="0"/>
+              <a:rPr lang="zh-CN" altLang="en-US"/>
               <a:t>第二级</a:t>
             </a:r>
           </a:p>
           <a:p>
             <a:pPr lvl="2"/>
             <a:r>
-              <a:rPr lang="zh-CN" altLang="en-US" smtClean="0"/>
+              <a:rPr lang="zh-CN" altLang="en-US"/>
               <a:t>第三级</a:t>
             </a:r>
           </a:p>
           <a:p>
             <a:pPr lvl="3"/>
             <a:r>
-              <a:rPr lang="zh-CN" altLang="en-US" smtClean="0"/>
+              <a:rPr lang="zh-CN" altLang="en-US"/>
               <a:t>第四级</a:t>
             </a:r>
           </a:p>
           <a:p>
             <a:pPr lvl="4"/>
             <a:r>
-              <a:rPr lang="zh-CN" altLang="en-US" smtClean="0"/>
+              <a:rPr lang="zh-CN" altLang="en-US"/>
               <a:t>第五级</a:t>
             </a:r>
-            <a:endParaRPr lang="zh-CN" altLang="en-US"/>
           </a:p>
         </p:txBody>
       </p:sp>
@@ -1532,7 +1518,7 @@
           <a:p>
             <a:pPr lvl="0"/>
             <a:r>
-              <a:rPr lang="zh-CN" altLang="en-US" smtClean="0"/>
+              <a:rPr lang="zh-CN" altLang="en-US"/>
               <a:t>单击此处编辑母版文本样式</a:t>
             </a:r>
           </a:p>
@@ -1560,38 +1546,37 @@
           <a:p>
             <a:pPr lvl="0"/>
             <a:r>
-              <a:rPr lang="zh-CN" altLang="en-US" smtClean="0"/>
+              <a:rPr lang="zh-CN" altLang="en-US"/>
               <a:t>单击此处编辑母版文本样式</a:t>
             </a:r>
           </a:p>
           <a:p>
             <a:pPr lvl="1"/>
             <a:r>
-              <a:rPr lang="zh-CN" altLang="en-US" smtClean="0"/>
+              <a:rPr lang="zh-CN" altLang="en-US"/>
               <a:t>第二级</a:t>
             </a:r>
           </a:p>
           <a:p>
             <a:pPr lvl="2"/>
             <a:r>
-              <a:rPr lang="zh-CN" altLang="en-US" smtClean="0"/>
+              <a:rPr lang="zh-CN" altLang="en-US"/>
               <a:t>第三级</a:t>
             </a:r>
           </a:p>
           <a:p>
             <a:pPr lvl="3"/>
             <a:r>
-              <a:rPr lang="zh-CN" altLang="en-US" smtClean="0"/>
+              <a:rPr lang="zh-CN" altLang="en-US"/>
               <a:t>第四级</a:t>
             </a:r>
           </a:p>
           <a:p>
             <a:pPr lvl="4"/>
             <a:r>
-              <a:rPr lang="zh-CN" altLang="en-US" smtClean="0"/>
+              <a:rPr lang="zh-CN" altLang="en-US"/>
               <a:t>第五级</a:t>
             </a:r>
-            <a:endParaRPr lang="zh-CN" altLang="en-US"/>
           </a:p>
         </p:txBody>
       </p:sp>
@@ -1706,10 +1691,9 @@
           <a:lstStyle/>
           <a:p>
             <a:r>
-              <a:rPr lang="zh-CN" altLang="en-US" smtClean="0"/>
+              <a:rPr lang="zh-CN" altLang="en-US"/>
               <a:t>单击此处编辑母版标题样式</a:t>
             </a:r>
-            <a:endParaRPr lang="zh-CN" altLang="en-US"/>
           </a:p>
         </p:txBody>
       </p:sp>
@@ -1928,10 +1912,9 @@
           </a:lstStyle>
           <a:p>
             <a:r>
-              <a:rPr lang="zh-CN" altLang="en-US" smtClean="0"/>
+              <a:rPr lang="zh-CN" altLang="en-US"/>
               <a:t>单击此处编辑母版标题样式</a:t>
             </a:r>
-            <a:endParaRPr lang="zh-CN" altLang="en-US"/>
           </a:p>
         </p:txBody>
       </p:sp>
@@ -1985,38 +1968,37 @@
           <a:p>
             <a:pPr lvl="0"/>
             <a:r>
-              <a:rPr lang="zh-CN" altLang="en-US" smtClean="0"/>
+              <a:rPr lang="zh-CN" altLang="en-US"/>
               <a:t>单击此处编辑母版文本样式</a:t>
             </a:r>
           </a:p>
           <a:p>
             <a:pPr lvl="1"/>
             <a:r>
-              <a:rPr lang="zh-CN" altLang="en-US" smtClean="0"/>
+              <a:rPr lang="zh-CN" altLang="en-US"/>
               <a:t>第二级</a:t>
             </a:r>
           </a:p>
           <a:p>
             <a:pPr lvl="2"/>
             <a:r>
-              <a:rPr lang="zh-CN" altLang="en-US" smtClean="0"/>
+              <a:rPr lang="zh-CN" altLang="en-US"/>
               <a:t>第三级</a:t>
             </a:r>
           </a:p>
           <a:p>
             <a:pPr lvl="3"/>
             <a:r>
-              <a:rPr lang="zh-CN" altLang="en-US" smtClean="0"/>
+              <a:rPr lang="zh-CN" altLang="en-US"/>
               <a:t>第四级</a:t>
             </a:r>
           </a:p>
           <a:p>
             <a:pPr lvl="4"/>
             <a:r>
-              <a:rPr lang="zh-CN" altLang="en-US" smtClean="0"/>
+              <a:rPr lang="zh-CN" altLang="en-US"/>
               <a:t>第五级</a:t>
             </a:r>
-            <a:endParaRPr lang="zh-CN" altLang="en-US"/>
           </a:p>
         </p:txBody>
       </p:sp>
@@ -2079,7 +2061,7 @@
           <a:p>
             <a:pPr lvl="0"/>
             <a:r>
-              <a:rPr lang="zh-CN" altLang="en-US" smtClean="0"/>
+              <a:rPr lang="zh-CN" altLang="en-US"/>
               <a:t>单击此处编辑母版文本样式</a:t>
             </a:r>
           </a:p>
@@ -2205,10 +2187,9 @@
           </a:lstStyle>
           <a:p>
             <a:r>
-              <a:rPr lang="zh-CN" altLang="en-US" smtClean="0"/>
+              <a:rPr lang="zh-CN" altLang="en-US"/>
               <a:t>单击此处编辑母版标题样式</a:t>
             </a:r>
-            <a:endParaRPr lang="zh-CN" altLang="en-US"/>
           </a:p>
         </p:txBody>
       </p:sp>
@@ -2332,7 +2313,7 @@
           <a:p>
             <a:pPr lvl="0"/>
             <a:r>
-              <a:rPr lang="zh-CN" altLang="en-US" smtClean="0"/>
+              <a:rPr lang="zh-CN" altLang="en-US"/>
               <a:t>单击此处编辑母版文本样式</a:t>
             </a:r>
           </a:p>
@@ -2464,10 +2445,9 @@
           <a:lstStyle/>
           <a:p>
             <a:r>
-              <a:rPr lang="zh-CN" altLang="en-US" smtClean="0"/>
+              <a:rPr lang="zh-CN" altLang="en-US"/>
               <a:t>单击此处编辑母版标题样式</a:t>
             </a:r>
-            <a:endParaRPr lang="zh-CN" altLang="en-US"/>
           </a:p>
         </p:txBody>
       </p:sp>
@@ -2498,38 +2478,37 @@
           <a:p>
             <a:pPr lvl="0"/>
             <a:r>
-              <a:rPr lang="zh-CN" altLang="en-US" smtClean="0"/>
+              <a:rPr lang="zh-CN" altLang="en-US"/>
               <a:t>单击此处编辑母版文本样式</a:t>
             </a:r>
           </a:p>
           <a:p>
             <a:pPr lvl="1"/>
             <a:r>
-              <a:rPr lang="zh-CN" altLang="en-US" smtClean="0"/>
+              <a:rPr lang="zh-CN" altLang="en-US"/>
               <a:t>第二级</a:t>
             </a:r>
           </a:p>
           <a:p>
             <a:pPr lvl="2"/>
             <a:r>
-              <a:rPr lang="zh-CN" altLang="en-US" smtClean="0"/>
+              <a:rPr lang="zh-CN" altLang="en-US"/>
               <a:t>第三级</a:t>
             </a:r>
           </a:p>
           <a:p>
             <a:pPr lvl="3"/>
             <a:r>
-              <a:rPr lang="zh-CN" altLang="en-US" smtClean="0"/>
+              <a:rPr lang="zh-CN" altLang="en-US"/>
               <a:t>第四级</a:t>
             </a:r>
           </a:p>
           <a:p>
             <a:pPr lvl="4"/>
             <a:r>
-              <a:rPr lang="zh-CN" altLang="en-US" smtClean="0"/>
+              <a:rPr lang="zh-CN" altLang="en-US"/>
               <a:t>第五级</a:t>
             </a:r>
-            <a:endParaRPr lang="zh-CN" altLang="en-US"/>
           </a:p>
         </p:txBody>
       </p:sp>
@@ -2998,10 +2977,34 @@
                 <a:tableStyleId>{5C22544A-7EE6-4342-B048-85BDC9FD1C3A}</a:tableStyleId>
               </a:tblPr>
               <a:tblGrid>
-                <a:gridCol w="2032000"/>
-                <a:gridCol w="2032000"/>
-                <a:gridCol w="2032000"/>
-                <a:gridCol w="2032000"/>
+                <a:gridCol w="2032000">
+                  <a:extLst>
+                    <a:ext uri="{9D8B030D-6E8A-4147-A177-3AD203B41FA5}">
+                      <a16:colId xmlns:a16="http://schemas.microsoft.com/office/drawing/2014/main" val="20000"/>
+                    </a:ext>
+                  </a:extLst>
+                </a:gridCol>
+                <a:gridCol w="2032000">
+                  <a:extLst>
+                    <a:ext uri="{9D8B030D-6E8A-4147-A177-3AD203B41FA5}">
+                      <a16:colId xmlns:a16="http://schemas.microsoft.com/office/drawing/2014/main" val="20001"/>
+                    </a:ext>
+                  </a:extLst>
+                </a:gridCol>
+                <a:gridCol w="2032000">
+                  <a:extLst>
+                    <a:ext uri="{9D8B030D-6E8A-4147-A177-3AD203B41FA5}">
+                      <a16:colId xmlns:a16="http://schemas.microsoft.com/office/drawing/2014/main" val="20002"/>
+                    </a:ext>
+                  </a:extLst>
+                </a:gridCol>
+                <a:gridCol w="2032000">
+                  <a:extLst>
+                    <a:ext uri="{9D8B030D-6E8A-4147-A177-3AD203B41FA5}">
+                      <a16:colId xmlns:a16="http://schemas.microsoft.com/office/drawing/2014/main" val="20003"/>
+                    </a:ext>
+                  </a:extLst>
+                </a:gridCol>
               </a:tblGrid>
               <a:tr h="370840">
                 <a:tc>
@@ -3020,7 +3023,7 @@
                     <a:lstStyle/>
                     <a:p>
                       <a:r>
-                        <a:rPr lang="en-GB" altLang="zh-CN" dirty="0" smtClean="0"/>
+                        <a:rPr lang="en-GB" altLang="zh-CN" dirty="0"/>
                         <a:t>Chair (150CAD)</a:t>
                       </a:r>
                       <a:endParaRPr lang="zh-CN" altLang="en-US" dirty="0"/>
@@ -3034,7 +3037,7 @@
                     <a:lstStyle/>
                     <a:p>
                       <a:r>
-                        <a:rPr lang="en-GB" altLang="zh-CN" dirty="0" smtClean="0"/>
+                        <a:rPr lang="en-GB" altLang="zh-CN" dirty="0"/>
                         <a:t>Stool (30CAD)</a:t>
                       </a:r>
                       <a:endParaRPr lang="zh-CN" altLang="en-US" dirty="0"/>
@@ -3052,6 +3055,11 @@
                   </a:txBody>
                   <a:tcPr/>
                 </a:tc>
+                <a:extLst>
+                  <a:ext uri="{0D108BD9-81ED-4DB2-BD59-A6C34878D82A}">
+                    <a16:rowId xmlns:a16="http://schemas.microsoft.com/office/drawing/2014/main" val="10000"/>
+                  </a:ext>
+                </a:extLst>
               </a:tr>
               <a:tr h="370840">
                 <a:tc>
@@ -3060,7 +3068,7 @@
                     <a:lstStyle/>
                     <a:p>
                       <a:r>
-                        <a:rPr lang="en-GB" altLang="zh-CN" sz="1800" kern="1200" dirty="0" smtClean="0">
+                        <a:rPr lang="en-GB" altLang="zh-CN" sz="1800" kern="1200" dirty="0">
                           <a:solidFill>
                             <a:schemeClr val="dk1"/>
                           </a:solidFill>
@@ -3081,7 +3089,7 @@
                     <a:lstStyle/>
                     <a:p>
                       <a:r>
-                        <a:rPr lang="en-GB" altLang="zh-CN" dirty="0" smtClean="0"/>
+                        <a:rPr lang="en-GB" altLang="zh-CN" dirty="0"/>
                         <a:t>300</a:t>
                       </a:r>
                       <a:endParaRPr lang="zh-CN" altLang="en-US" dirty="0"/>
@@ -3095,7 +3103,7 @@
                     <a:lstStyle/>
                     <a:p>
                       <a:r>
-                        <a:rPr lang="en-GB" altLang="zh-CN" dirty="0" smtClean="0"/>
+                        <a:rPr lang="en-GB" altLang="zh-CN" dirty="0"/>
                         <a:t>300</a:t>
                       </a:r>
                       <a:endParaRPr lang="zh-CN" altLang="en-US" dirty="0"/>
@@ -3113,6 +3121,11 @@
                   </a:txBody>
                   <a:tcPr/>
                 </a:tc>
+                <a:extLst>
+                  <a:ext uri="{0D108BD9-81ED-4DB2-BD59-A6C34878D82A}">
+                    <a16:rowId xmlns:a16="http://schemas.microsoft.com/office/drawing/2014/main" val="10001"/>
+                  </a:ext>
+                </a:extLst>
               </a:tr>
               <a:tr h="370840">
                 <a:tc>
@@ -3121,7 +3134,7 @@
                     <a:lstStyle/>
                     <a:p>
                       <a:r>
-                        <a:rPr lang="en-GB" altLang="zh-CN" sz="1800" kern="1200" dirty="0" err="1" smtClean="0">
+                        <a:rPr lang="en-GB" altLang="zh-CN" sz="1800" kern="1200" dirty="0" err="1">
                           <a:solidFill>
                             <a:schemeClr val="dk1"/>
                           </a:solidFill>
@@ -3142,7 +3155,7 @@
                     <a:lstStyle/>
                     <a:p>
                       <a:r>
-                        <a:rPr lang="en-GB" altLang="zh-CN" dirty="0" smtClean="0"/>
+                        <a:rPr lang="en-GB" altLang="zh-CN" dirty="0"/>
                         <a:t>200</a:t>
                       </a:r>
                       <a:endParaRPr lang="zh-CN" altLang="en-US" dirty="0"/>
@@ -3156,7 +3169,7 @@
                     <a:lstStyle/>
                     <a:p>
                       <a:r>
-                        <a:rPr lang="en-GB" altLang="zh-CN" dirty="0" smtClean="0"/>
+                        <a:rPr lang="en-GB" altLang="zh-CN" dirty="0"/>
                         <a:t>200</a:t>
                       </a:r>
                       <a:endParaRPr lang="zh-CN" altLang="en-US" dirty="0"/>
@@ -3174,6 +3187,11 @@
                   </a:txBody>
                   <a:tcPr/>
                 </a:tc>
+                <a:extLst>
+                  <a:ext uri="{0D108BD9-81ED-4DB2-BD59-A6C34878D82A}">
+                    <a16:rowId xmlns:a16="http://schemas.microsoft.com/office/drawing/2014/main" val="10002"/>
+                  </a:ext>
+                </a:extLst>
               </a:tr>
               <a:tr h="370840">
                 <a:tc>
@@ -3182,7 +3200,7 @@
                     <a:lstStyle/>
                     <a:p>
                       <a:r>
-                        <a:rPr lang="en-GB" altLang="zh-CN" sz="1800" kern="1200" dirty="0" smtClean="0">
+                        <a:rPr lang="en-GB" altLang="zh-CN" sz="1800" kern="1200" dirty="0">
                           <a:solidFill>
                             <a:schemeClr val="dk1"/>
                           </a:solidFill>
@@ -3203,7 +3221,7 @@
                     <a:lstStyle/>
                     <a:p>
                       <a:r>
-                        <a:rPr lang="en-GB" altLang="zh-CN" dirty="0" smtClean="0"/>
+                        <a:rPr lang="en-GB" altLang="zh-CN" dirty="0"/>
                         <a:t>200</a:t>
                       </a:r>
                       <a:endParaRPr lang="zh-CN" altLang="en-US" dirty="0"/>
@@ -3217,7 +3235,7 @@
                     <a:lstStyle/>
                     <a:p>
                       <a:r>
-                        <a:rPr lang="en-GB" altLang="zh-CN" dirty="0" smtClean="0"/>
+                        <a:rPr lang="en-GB" altLang="zh-CN" dirty="0"/>
                         <a:t>400</a:t>
                       </a:r>
                       <a:endParaRPr lang="zh-CN" altLang="en-US" dirty="0"/>
@@ -3235,6 +3253,11 @@
                   </a:txBody>
                   <a:tcPr/>
                 </a:tc>
+                <a:extLst>
+                  <a:ext uri="{0D108BD9-81ED-4DB2-BD59-A6C34878D82A}">
+                    <a16:rowId xmlns:a16="http://schemas.microsoft.com/office/drawing/2014/main" val="10003"/>
+                  </a:ext>
+                </a:extLst>
               </a:tr>
               <a:tr h="370840">
                 <a:tc>
@@ -3243,7 +3266,7 @@
                     <a:lstStyle/>
                     <a:p>
                       <a:r>
-                        <a:rPr lang="en-GB" altLang="zh-CN" sz="1800" kern="1200" dirty="0" err="1" smtClean="0">
+                        <a:rPr lang="en-GB" altLang="zh-CN" sz="1800" kern="1200" dirty="0" err="1">
                           <a:solidFill>
                             <a:schemeClr val="dk1"/>
                           </a:solidFill>
@@ -3264,7 +3287,7 @@
                     <a:lstStyle/>
                     <a:p>
                       <a:r>
-                        <a:rPr lang="en-GB" altLang="zh-CN" dirty="0" smtClean="0"/>
+                        <a:rPr lang="en-GB" altLang="zh-CN" dirty="0"/>
                         <a:t>400</a:t>
                       </a:r>
                       <a:endParaRPr lang="zh-CN" altLang="en-US" dirty="0"/>
@@ -3278,7 +3301,7 @@
                     <a:lstStyle/>
                     <a:p>
                       <a:r>
-                        <a:rPr lang="en-GB" altLang="zh-CN" dirty="0" smtClean="0"/>
+                        <a:rPr lang="en-GB" altLang="zh-CN" dirty="0"/>
                         <a:t>200</a:t>
                       </a:r>
                       <a:endParaRPr lang="zh-CN" altLang="en-US" dirty="0"/>
@@ -3296,6 +3319,11 @@
                   </a:txBody>
                   <a:tcPr/>
                 </a:tc>
+                <a:extLst>
+                  <a:ext uri="{0D108BD9-81ED-4DB2-BD59-A6C34878D82A}">
+                    <a16:rowId xmlns:a16="http://schemas.microsoft.com/office/drawing/2014/main" val="10004"/>
+                  </a:ext>
+                </a:extLst>
               </a:tr>
               <a:tr h="370840">
                 <a:tc>
@@ -3304,7 +3332,7 @@
                     <a:lstStyle/>
                     <a:p>
                       <a:r>
-                        <a:rPr lang="en-GB" altLang="zh-CN" dirty="0" smtClean="0"/>
+                        <a:rPr lang="en-GB" altLang="zh-CN" dirty="0"/>
                         <a:t>Total</a:t>
                       </a:r>
                       <a:endParaRPr lang="zh-CN" altLang="en-US" dirty="0"/>
@@ -3318,7 +3346,7 @@
                     <a:lstStyle/>
                     <a:p>
                       <a:r>
-                        <a:rPr lang="en-GB" altLang="zh-CN" dirty="0" smtClean="0"/>
+                        <a:rPr lang="en-GB" altLang="zh-CN" dirty="0"/>
                         <a:t>1100</a:t>
                       </a:r>
                       <a:endParaRPr lang="zh-CN" altLang="en-US" dirty="0"/>
@@ -3332,7 +3360,7 @@
                     <a:lstStyle/>
                     <a:p>
                       <a:r>
-                        <a:rPr lang="en-GB" altLang="zh-CN" dirty="0" smtClean="0"/>
+                        <a:rPr lang="en-GB" altLang="zh-CN" dirty="0"/>
                         <a:t>1100</a:t>
                       </a:r>
                       <a:endParaRPr lang="zh-CN" altLang="en-US" dirty="0"/>
@@ -3350,6 +3378,11 @@
                   </a:txBody>
                   <a:tcPr/>
                 </a:tc>
+                <a:extLst>
+                  <a:ext uri="{0D108BD9-81ED-4DB2-BD59-A6C34878D82A}">
+                    <a16:rowId xmlns:a16="http://schemas.microsoft.com/office/drawing/2014/main" val="10005"/>
+                  </a:ext>
+                </a:extLst>
               </a:tr>
               <a:tr h="370840">
                 <a:tc>
@@ -3358,7 +3391,7 @@
                     <a:lstStyle/>
                     <a:p>
                       <a:r>
-                        <a:rPr lang="en-GB" altLang="zh-CN" dirty="0" smtClean="0"/>
+                        <a:rPr lang="en-GB" altLang="zh-CN" dirty="0"/>
                         <a:t>Total Benefit</a:t>
                       </a:r>
                       <a:endParaRPr lang="zh-CN" altLang="en-US" dirty="0"/>
@@ -3372,7 +3405,7 @@
                     <a:lstStyle/>
                     <a:p>
                       <a:r>
-                        <a:rPr lang="en-GB" altLang="zh-CN" dirty="0" smtClean="0"/>
+                        <a:rPr lang="en-GB" altLang="zh-CN" dirty="0"/>
                         <a:t>165000</a:t>
                       </a:r>
                       <a:endParaRPr lang="zh-CN" altLang="en-US" dirty="0"/>
@@ -3386,7 +3419,7 @@
                     <a:lstStyle/>
                     <a:p>
                       <a:r>
-                        <a:rPr lang="en-GB" altLang="zh-CN" dirty="0" smtClean="0"/>
+                        <a:rPr lang="en-GB" altLang="zh-CN" dirty="0"/>
                         <a:t>33000</a:t>
                       </a:r>
                       <a:endParaRPr lang="zh-CN" altLang="en-US" dirty="0"/>
@@ -3400,7 +3433,7 @@
                     <a:lstStyle/>
                     <a:p>
                       <a:r>
-                        <a:rPr lang="en-GB" altLang="zh-CN" dirty="0" smtClean="0"/>
+                        <a:rPr lang="en-GB" altLang="zh-CN" dirty="0"/>
                         <a:t>198000CAD</a:t>
                       </a:r>
                       <a:endParaRPr lang="zh-CN" altLang="en-US" dirty="0"/>
@@ -3408,6 +3441,11 @@
                   </a:txBody>
                   <a:tcPr/>
                 </a:tc>
+                <a:extLst>
+                  <a:ext uri="{0D108BD9-81ED-4DB2-BD59-A6C34878D82A}">
+                    <a16:rowId xmlns:a16="http://schemas.microsoft.com/office/drawing/2014/main" val="10006"/>
+                  </a:ext>
+                </a:extLst>
               </a:tr>
             </a:tbl>
           </a:graphicData>
@@ -3436,7 +3474,7 @@
           <a:lstStyle/>
           <a:p>
             <a:r>
-              <a:rPr lang="en-GB" altLang="zh-CN" sz="2800" dirty="0" smtClean="0"/>
+              <a:rPr lang="en-GB" altLang="zh-CN" sz="2800" dirty="0"/>
               <a:t>Demand and the price and the money we earn</a:t>
             </a:r>
             <a:endParaRPr lang="zh-CN" altLang="en-US" sz="2800" dirty="0"/>
@@ -3498,12 +3536,48 @@
                 <a:tableStyleId>{5C22544A-7EE6-4342-B048-85BDC9FD1C3A}</a:tableStyleId>
               </a:tblPr>
               <a:tblGrid>
-                <a:gridCol w="2067488"/>
-                <a:gridCol w="931901"/>
-                <a:gridCol w="956173"/>
-                <a:gridCol w="1362808"/>
-                <a:gridCol w="967154"/>
-                <a:gridCol w="3675184"/>
+                <a:gridCol w="2067488">
+                  <a:extLst>
+                    <a:ext uri="{9D8B030D-6E8A-4147-A177-3AD203B41FA5}">
+                      <a16:colId xmlns:a16="http://schemas.microsoft.com/office/drawing/2014/main" val="20000"/>
+                    </a:ext>
+                  </a:extLst>
+                </a:gridCol>
+                <a:gridCol w="931901">
+                  <a:extLst>
+                    <a:ext uri="{9D8B030D-6E8A-4147-A177-3AD203B41FA5}">
+                      <a16:colId xmlns:a16="http://schemas.microsoft.com/office/drawing/2014/main" val="20001"/>
+                    </a:ext>
+                  </a:extLst>
+                </a:gridCol>
+                <a:gridCol w="956173">
+                  <a:extLst>
+                    <a:ext uri="{9D8B030D-6E8A-4147-A177-3AD203B41FA5}">
+                      <a16:colId xmlns:a16="http://schemas.microsoft.com/office/drawing/2014/main" val="20002"/>
+                    </a:ext>
+                  </a:extLst>
+                </a:gridCol>
+                <a:gridCol w="1362808">
+                  <a:extLst>
+                    <a:ext uri="{9D8B030D-6E8A-4147-A177-3AD203B41FA5}">
+                      <a16:colId xmlns:a16="http://schemas.microsoft.com/office/drawing/2014/main" val="20003"/>
+                    </a:ext>
+                  </a:extLst>
+                </a:gridCol>
+                <a:gridCol w="967154">
+                  <a:extLst>
+                    <a:ext uri="{9D8B030D-6E8A-4147-A177-3AD203B41FA5}">
+                      <a16:colId xmlns:a16="http://schemas.microsoft.com/office/drawing/2014/main" val="20004"/>
+                    </a:ext>
+                  </a:extLst>
+                </a:gridCol>
+                <a:gridCol w="3675184">
+                  <a:extLst>
+                    <a:ext uri="{9D8B030D-6E8A-4147-A177-3AD203B41FA5}">
+                      <a16:colId xmlns:a16="http://schemas.microsoft.com/office/drawing/2014/main" val="20005"/>
+                    </a:ext>
+                  </a:extLst>
+                </a:gridCol>
               </a:tblGrid>
               <a:tr h="370840">
                 <a:tc>
@@ -3522,7 +3596,7 @@
                     <a:lstStyle/>
                     <a:p>
                       <a:r>
-                        <a:rPr lang="en-GB" altLang="zh-CN" dirty="0" smtClean="0"/>
+                        <a:rPr lang="en-GB" altLang="zh-CN" dirty="0"/>
                         <a:t>We1</a:t>
                       </a:r>
                       <a:endParaRPr lang="zh-CN" altLang="en-US" dirty="0"/>
@@ -3536,7 +3610,7 @@
                     <a:lstStyle/>
                     <a:p>
                       <a:r>
-                        <a:rPr lang="en-GB" altLang="zh-CN" dirty="0" smtClean="0"/>
+                        <a:rPr lang="en-GB" altLang="zh-CN" dirty="0"/>
                         <a:t>We2</a:t>
                       </a:r>
                       <a:endParaRPr lang="zh-CN" altLang="en-US" dirty="0"/>
@@ -3550,7 +3624,7 @@
                     <a:lstStyle/>
                     <a:p>
                       <a:r>
-                        <a:rPr lang="en-GB" altLang="zh-CN" dirty="0" smtClean="0"/>
+                        <a:rPr lang="en-GB" altLang="zh-CN" dirty="0"/>
                         <a:t>Z1</a:t>
                       </a:r>
                       <a:endParaRPr lang="zh-CN" altLang="en-US" dirty="0"/>
@@ -3564,7 +3638,7 @@
                     <a:lstStyle/>
                     <a:p>
                       <a:r>
-                        <a:rPr lang="en-GB" altLang="zh-CN" dirty="0" smtClean="0"/>
+                        <a:rPr lang="en-GB" altLang="zh-CN" dirty="0"/>
                         <a:t>Z2</a:t>
                       </a:r>
                       <a:endParaRPr lang="zh-CN" altLang="en-US" dirty="0"/>
@@ -3578,7 +3652,7 @@
                     <a:lstStyle/>
                     <a:p>
                       <a:r>
-                        <a:rPr lang="en-GB" altLang="zh-CN" dirty="0" smtClean="0"/>
+                        <a:rPr lang="en-GB" altLang="zh-CN" dirty="0"/>
                         <a:t>Remarks</a:t>
                       </a:r>
                       <a:endParaRPr lang="zh-CN" altLang="en-US" dirty="0"/>
@@ -3586,6 +3660,11 @@
                   </a:txBody>
                   <a:tcPr/>
                 </a:tc>
+                <a:extLst>
+                  <a:ext uri="{0D108BD9-81ED-4DB2-BD59-A6C34878D82A}">
+                    <a16:rowId xmlns:a16="http://schemas.microsoft.com/office/drawing/2014/main" val="10000"/>
+                  </a:ext>
+                </a:extLst>
               </a:tr>
               <a:tr h="370840">
                 <a:tc>
@@ -3594,11 +3673,11 @@
                     <a:lstStyle/>
                     <a:p>
                       <a:r>
-                        <a:rPr lang="en-GB" altLang="zh-CN" dirty="0" smtClean="0"/>
+                        <a:rPr lang="en-GB" altLang="zh-CN" dirty="0"/>
                         <a:t>Our Common</a:t>
                       </a:r>
                       <a:r>
-                        <a:rPr lang="en-GB" altLang="zh-CN" baseline="0" dirty="0" smtClean="0"/>
+                        <a:rPr lang="en-GB" altLang="zh-CN" baseline="0" dirty="0"/>
                         <a:t> Idea</a:t>
                       </a:r>
                       <a:endParaRPr lang="zh-CN" altLang="en-US" dirty="0"/>
@@ -3612,7 +3691,7 @@
                     <a:lstStyle/>
                     <a:p>
                       <a:r>
-                        <a:rPr lang="en-GB" altLang="zh-CN" dirty="0" smtClean="0"/>
+                        <a:rPr lang="en-GB" altLang="zh-CN" dirty="0"/>
                         <a:t>80%</a:t>
                       </a:r>
                       <a:endParaRPr lang="zh-CN" altLang="en-US" dirty="0"/>
@@ -3626,7 +3705,7 @@
                     <a:lstStyle/>
                     <a:p>
                       <a:r>
-                        <a:rPr lang="en-GB" altLang="zh-CN" dirty="0" smtClean="0"/>
+                        <a:rPr lang="en-GB" altLang="zh-CN" dirty="0"/>
                         <a:t>20%</a:t>
                       </a:r>
                       <a:endParaRPr lang="zh-CN" altLang="en-US" dirty="0"/>
@@ -3640,7 +3719,7 @@
                     <a:lstStyle/>
                     <a:p>
                       <a:r>
-                        <a:rPr lang="en-US" altLang="zh-CN" dirty="0" smtClean="0"/>
+                        <a:rPr lang="en-US" altLang="zh-CN" dirty="0"/>
                         <a:t>172595.1</a:t>
                       </a:r>
                       <a:endParaRPr lang="zh-CN" altLang="en-US" dirty="0"/>
@@ -3654,7 +3733,7 @@
                     <a:lstStyle/>
                     <a:p>
                       <a:r>
-                        <a:rPr lang="en-US" altLang="zh-CN" dirty="0" smtClean="0"/>
+                        <a:rPr lang="en-US" altLang="zh-CN" dirty="0"/>
                         <a:t>5014.0</a:t>
                       </a:r>
                       <a:endParaRPr lang="zh-CN" altLang="en-US" dirty="0"/>
@@ -3668,7 +3747,7 @@
                     <a:lstStyle/>
                     <a:p>
                       <a:r>
-                        <a:rPr lang="en-GB" altLang="zh-CN" dirty="0" smtClean="0">
+                        <a:rPr lang="en-GB" altLang="zh-CN" dirty="0">
                           <a:solidFill>
                             <a:schemeClr val="accent2"/>
                           </a:solidFill>
@@ -3698,6 +3777,11 @@
                   </a:txBody>
                   <a:tcPr/>
                 </a:tc>
+                <a:extLst>
+                  <a:ext uri="{0D108BD9-81ED-4DB2-BD59-A6C34878D82A}">
+                    <a16:rowId xmlns:a16="http://schemas.microsoft.com/office/drawing/2014/main" val="10001"/>
+                  </a:ext>
+                </a:extLst>
               </a:tr>
               <a:tr h="370840">
                 <a:tc>
@@ -3706,7 +3790,7 @@
                     <a:lstStyle/>
                     <a:p>
                       <a:r>
-                        <a:rPr lang="en-GB" altLang="zh-CN" dirty="0" smtClean="0"/>
+                        <a:rPr lang="en-GB" altLang="zh-CN" dirty="0"/>
                         <a:t>Z1 only</a:t>
                       </a:r>
                       <a:endParaRPr lang="zh-CN" altLang="en-US" dirty="0"/>
@@ -3720,7 +3804,7 @@
                     <a:lstStyle/>
                     <a:p>
                       <a:r>
-                        <a:rPr lang="en-GB" altLang="zh-CN" dirty="0" smtClean="0"/>
+                        <a:rPr lang="en-GB" altLang="zh-CN" dirty="0"/>
                         <a:t>1</a:t>
                       </a:r>
                       <a:endParaRPr lang="zh-CN" altLang="en-US" dirty="0"/>
@@ -3734,7 +3818,7 @@
                     <a:lstStyle/>
                     <a:p>
                       <a:r>
-                        <a:rPr lang="en-GB" altLang="zh-CN" dirty="0" smtClean="0"/>
+                        <a:rPr lang="en-GB" altLang="zh-CN" dirty="0"/>
                         <a:t>0</a:t>
                       </a:r>
                       <a:endParaRPr lang="zh-CN" altLang="en-US" dirty="0"/>
@@ -3748,7 +3832,7 @@
                     <a:lstStyle/>
                     <a:p>
                       <a:r>
-                        <a:rPr lang="en-US" altLang="zh-CN" dirty="0" smtClean="0"/>
+                        <a:rPr lang="en-US" altLang="zh-CN" dirty="0"/>
                         <a:t>172595.1</a:t>
                       </a:r>
                       <a:endParaRPr lang="zh-CN" altLang="en-US" dirty="0"/>
@@ -3762,7 +3846,7 @@
                     <a:lstStyle/>
                     <a:p>
                       <a:r>
-                        <a:rPr lang="en-US" altLang="zh-CN" dirty="0" smtClean="0"/>
+                        <a:rPr lang="en-US" altLang="zh-CN" dirty="0"/>
                         <a:t>5014.0</a:t>
                       </a:r>
                       <a:endParaRPr lang="zh-CN" altLang="en-US" dirty="0"/>
@@ -3780,6 +3864,11 @@
                   </a:txBody>
                   <a:tcPr/>
                 </a:tc>
+                <a:extLst>
+                  <a:ext uri="{0D108BD9-81ED-4DB2-BD59-A6C34878D82A}">
+                    <a16:rowId xmlns:a16="http://schemas.microsoft.com/office/drawing/2014/main" val="10002"/>
+                  </a:ext>
+                </a:extLst>
               </a:tr>
               <a:tr h="370840">
                 <a:tc>
@@ -3788,7 +3877,7 @@
                     <a:lstStyle/>
                     <a:p>
                       <a:r>
-                        <a:rPr lang="en-GB" altLang="zh-CN" dirty="0" smtClean="0"/>
+                        <a:rPr lang="en-GB" altLang="zh-CN" dirty="0"/>
                         <a:t>Z2 only</a:t>
                       </a:r>
                       <a:endParaRPr lang="zh-CN" altLang="en-US" dirty="0"/>
@@ -3802,7 +3891,7 @@
                     <a:lstStyle/>
                     <a:p>
                       <a:r>
-                        <a:rPr lang="en-GB" altLang="zh-CN" dirty="0" smtClean="0"/>
+                        <a:rPr lang="en-GB" altLang="zh-CN" dirty="0"/>
                         <a:t>0+</a:t>
                       </a:r>
                       <a:endParaRPr lang="zh-CN" altLang="en-US" dirty="0"/>
@@ -3816,7 +3905,7 @@
                     <a:lstStyle/>
                     <a:p>
                       <a:r>
-                        <a:rPr lang="en-GB" altLang="zh-CN" dirty="0" smtClean="0"/>
+                        <a:rPr lang="en-GB" altLang="zh-CN" dirty="0"/>
                         <a:t>1</a:t>
                       </a:r>
                       <a:endParaRPr lang="zh-CN" altLang="en-US" dirty="0"/>
@@ -3830,7 +3919,7 @@
                     <a:lstStyle/>
                     <a:p>
                       <a:r>
-                        <a:rPr lang="en-US" altLang="zh-CN" dirty="0" smtClean="0"/>
+                        <a:rPr lang="en-US" altLang="zh-CN" dirty="0"/>
                         <a:t>198438.7</a:t>
                       </a:r>
                       <a:endParaRPr lang="zh-CN" altLang="en-US" dirty="0"/>
@@ -3844,7 +3933,7 @@
                     <a:lstStyle/>
                     <a:p>
                       <a:r>
-                        <a:rPr lang="en-US" altLang="zh-CN" dirty="0" smtClean="0"/>
+                        <a:rPr lang="en-US" altLang="zh-CN" dirty="0"/>
                         <a:t>4529.4</a:t>
                       </a:r>
                       <a:endParaRPr lang="zh-CN" altLang="en-US" dirty="0"/>
@@ -3875,7 +3964,7 @@
                         <a:defRPr/>
                       </a:pPr>
                       <a:r>
-                        <a:rPr lang="en-GB" altLang="zh-CN" dirty="0" smtClean="0">
+                        <a:rPr lang="en-GB" altLang="zh-CN" dirty="0">
                           <a:solidFill>
                             <a:schemeClr val="accent2"/>
                           </a:solidFill>
@@ -3890,7 +3979,7 @@
                         <a:t>Selected Vernon</a:t>
                       </a:r>
                       <a:r>
-                        <a:rPr lang="en-GB" altLang="zh-CN" baseline="0" dirty="0" smtClean="0">
+                        <a:rPr lang="en-GB" altLang="zh-CN" baseline="0" dirty="0">
                           <a:solidFill>
                             <a:schemeClr val="accent2"/>
                           </a:solidFill>
@@ -3905,7 +3994,7 @@
                         <a:t> </a:t>
                       </a:r>
                       <a:r>
-                        <a:rPr lang="en-GB" altLang="zh-CN" dirty="0" smtClean="0">
+                        <a:rPr lang="en-GB" altLang="zh-CN" dirty="0">
                           <a:solidFill>
                             <a:schemeClr val="accent2"/>
                           </a:solidFill>
@@ -3920,7 +4009,7 @@
                         <a:t>supplier because the CO2 emission</a:t>
                       </a:r>
                       <a:r>
-                        <a:rPr lang="en-GB" altLang="zh-CN" baseline="0" dirty="0" smtClean="0">
+                        <a:rPr lang="en-GB" altLang="zh-CN" baseline="0" dirty="0">
                           <a:solidFill>
                             <a:schemeClr val="accent2"/>
                           </a:solidFill>
@@ -3950,6 +4039,11 @@
                   </a:txBody>
                   <a:tcPr/>
                 </a:tc>
+                <a:extLst>
+                  <a:ext uri="{0D108BD9-81ED-4DB2-BD59-A6C34878D82A}">
+                    <a16:rowId xmlns:a16="http://schemas.microsoft.com/office/drawing/2014/main" val="10003"/>
+                  </a:ext>
+                </a:extLst>
               </a:tr>
               <a:tr h="370840">
                 <a:tc>
@@ -3958,7 +4052,7 @@
                     <a:lstStyle/>
                     <a:p>
                       <a:r>
-                        <a:rPr lang="en-GB" altLang="zh-CN" dirty="0" smtClean="0"/>
+                        <a:rPr lang="en-GB" altLang="zh-CN" dirty="0"/>
                         <a:t>Z1 Z2 cross point</a:t>
                       </a:r>
                       <a:endParaRPr lang="zh-CN" altLang="en-US" dirty="0"/>
@@ -3972,7 +4066,7 @@
                     <a:lstStyle/>
                     <a:p>
                       <a:r>
-                        <a:rPr lang="en-GB" altLang="zh-CN" dirty="0" smtClean="0"/>
+                        <a:rPr lang="en-GB" altLang="zh-CN" dirty="0"/>
                         <a:t>35.6%</a:t>
                       </a:r>
                       <a:endParaRPr lang="zh-CN" altLang="en-US" dirty="0"/>
@@ -3986,7 +4080,7 @@
                     <a:lstStyle/>
                     <a:p>
                       <a:r>
-                        <a:rPr lang="en-GB" altLang="zh-CN" dirty="0" smtClean="0"/>
+                        <a:rPr lang="en-GB" altLang="zh-CN" dirty="0"/>
                         <a:t>64.4%</a:t>
                       </a:r>
                       <a:endParaRPr lang="zh-CN" altLang="en-US" dirty="0"/>
@@ -4020,11 +4114,11 @@
                     <a:lstStyle/>
                     <a:p>
                       <a:r>
-                        <a:rPr lang="en-GB" altLang="zh-CN" dirty="0" smtClean="0"/>
+                        <a:rPr lang="en-GB" altLang="zh-CN" dirty="0"/>
                         <a:t>The cross</a:t>
                       </a:r>
                       <a:r>
-                        <a:rPr lang="en-GB" altLang="zh-CN" baseline="0" dirty="0" smtClean="0"/>
+                        <a:rPr lang="en-GB" altLang="zh-CN" baseline="0" dirty="0"/>
                         <a:t> point of selecting Vernon or Kamloops supplier</a:t>
                       </a:r>
                       <a:endParaRPr lang="zh-CN" altLang="en-US" dirty="0"/>
@@ -4032,6 +4126,11 @@
                   </a:txBody>
                   <a:tcPr/>
                 </a:tc>
+                <a:extLst>
+                  <a:ext uri="{0D108BD9-81ED-4DB2-BD59-A6C34878D82A}">
+                    <a16:rowId xmlns:a16="http://schemas.microsoft.com/office/drawing/2014/main" val="10004"/>
+                  </a:ext>
+                </a:extLst>
               </a:tr>
             </a:tbl>
           </a:graphicData>
@@ -4060,7 +4159,7 @@
           <a:lstStyle/>
           <a:p>
             <a:r>
-              <a:rPr lang="en-GB" altLang="zh-CN" dirty="0" smtClean="0"/>
+              <a:rPr lang="en-GB" altLang="zh-CN" dirty="0"/>
               <a:t>Z=Z1*We1+Z2*We2</a:t>
             </a:r>
             <a:endParaRPr lang="zh-CN" altLang="en-US" dirty="0"/>
@@ -4090,7 +4189,7 @@
           <a:lstStyle/>
           <a:p>
             <a:r>
-              <a:rPr lang="en-GB" altLang="zh-CN" sz="2800" dirty="0" smtClean="0"/>
+              <a:rPr lang="en-GB" altLang="zh-CN" sz="2800" dirty="0"/>
               <a:t>Optimize in terms of Z1, Z2 and weighted average </a:t>
             </a:r>
             <a:endParaRPr lang="zh-CN" altLang="en-US" sz="2800" dirty="0"/>
@@ -4152,10 +4251,34 @@
                 <a:tableStyleId>{5C22544A-7EE6-4342-B048-85BDC9FD1C3A}</a:tableStyleId>
               </a:tblPr>
               <a:tblGrid>
-                <a:gridCol w="4793025"/>
-                <a:gridCol w="1625359"/>
-                <a:gridCol w="1723292"/>
-                <a:gridCol w="1679331"/>
+                <a:gridCol w="4793025">
+                  <a:extLst>
+                    <a:ext uri="{9D8B030D-6E8A-4147-A177-3AD203B41FA5}">
+                      <a16:colId xmlns:a16="http://schemas.microsoft.com/office/drawing/2014/main" val="20000"/>
+                    </a:ext>
+                  </a:extLst>
+                </a:gridCol>
+                <a:gridCol w="1625359">
+                  <a:extLst>
+                    <a:ext uri="{9D8B030D-6E8A-4147-A177-3AD203B41FA5}">
+                      <a16:colId xmlns:a16="http://schemas.microsoft.com/office/drawing/2014/main" val="20001"/>
+                    </a:ext>
+                  </a:extLst>
+                </a:gridCol>
+                <a:gridCol w="1723292">
+                  <a:extLst>
+                    <a:ext uri="{9D8B030D-6E8A-4147-A177-3AD203B41FA5}">
+                      <a16:colId xmlns:a16="http://schemas.microsoft.com/office/drawing/2014/main" val="20002"/>
+                    </a:ext>
+                  </a:extLst>
+                </a:gridCol>
+                <a:gridCol w="1679331">
+                  <a:extLst>
+                    <a:ext uri="{9D8B030D-6E8A-4147-A177-3AD203B41FA5}">
+                      <a16:colId xmlns:a16="http://schemas.microsoft.com/office/drawing/2014/main" val="20003"/>
+                    </a:ext>
+                  </a:extLst>
+                </a:gridCol>
               </a:tblGrid>
               <a:tr h="370840">
                 <a:tc>
@@ -4174,7 +4297,7 @@
                     <a:lstStyle/>
                     <a:p>
                       <a:r>
-                        <a:rPr lang="en-GB" altLang="zh-CN" dirty="0" smtClean="0"/>
+                        <a:rPr lang="en-GB" altLang="zh-CN" dirty="0"/>
                         <a:t>Z1 (CAD)</a:t>
                       </a:r>
                       <a:endParaRPr lang="zh-CN" altLang="en-US" dirty="0"/>
@@ -4188,7 +4311,7 @@
                     <a:lstStyle/>
                     <a:p>
                       <a:r>
-                        <a:rPr lang="en-GB" altLang="zh-CN" dirty="0" smtClean="0"/>
+                        <a:rPr lang="en-GB" altLang="zh-CN" dirty="0"/>
                         <a:t>Z2 (CO2 kg)</a:t>
                       </a:r>
                       <a:endParaRPr lang="zh-CN" altLang="en-US" dirty="0"/>
@@ -4202,7 +4325,7 @@
                     <a:lstStyle/>
                     <a:p>
                       <a:r>
-                        <a:rPr lang="en-GB" altLang="zh-CN" dirty="0" smtClean="0"/>
+                        <a:rPr lang="en-GB" altLang="zh-CN" dirty="0"/>
                         <a:t>B/C Rate</a:t>
                       </a:r>
                       <a:endParaRPr lang="zh-CN" altLang="en-US" dirty="0"/>
@@ -4210,6 +4333,11 @@
                   </a:txBody>
                   <a:tcPr/>
                 </a:tc>
+                <a:extLst>
+                  <a:ext uri="{0D108BD9-81ED-4DB2-BD59-A6C34878D82A}">
+                    <a16:rowId xmlns:a16="http://schemas.microsoft.com/office/drawing/2014/main" val="10000"/>
+                  </a:ext>
+                </a:extLst>
               </a:tr>
               <a:tr h="370840">
                 <a:tc>
@@ -4218,7 +4346,7 @@
                     <a:lstStyle/>
                     <a:p>
                       <a:r>
-                        <a:rPr lang="en-GB" altLang="zh-CN" dirty="0" smtClean="0"/>
+                        <a:rPr lang="en-GB" altLang="zh-CN" dirty="0"/>
                         <a:t>Total Benefit</a:t>
                       </a:r>
                       <a:endParaRPr lang="zh-CN" altLang="en-US" dirty="0"/>
@@ -4248,7 +4376,7 @@
                         <a:tabLst/>
                         <a:defRPr/>
                       </a:pPr>
-                      <a:endParaRPr lang="zh-CN" altLang="en-US" dirty="0" smtClean="0"/>
+                      <a:endParaRPr lang="zh-CN" altLang="en-US" dirty="0"/>
                     </a:p>
                   </a:txBody>
                   <a:tcPr/>
@@ -4286,7 +4414,7 @@
                         <a:defRPr/>
                       </a:pPr>
                       <a:r>
-                        <a:rPr lang="en-GB" altLang="zh-CN" dirty="0" smtClean="0"/>
+                        <a:rPr lang="en-GB" altLang="zh-CN" dirty="0"/>
                         <a:t>198000 CAD</a:t>
                       </a:r>
                       <a:endParaRPr lang="zh-CN" altLang="en-US" dirty="0"/>
@@ -4294,6 +4422,11 @@
                   </a:txBody>
                   <a:tcPr/>
                 </a:tc>
+                <a:extLst>
+                  <a:ext uri="{0D108BD9-81ED-4DB2-BD59-A6C34878D82A}">
+                    <a16:rowId xmlns:a16="http://schemas.microsoft.com/office/drawing/2014/main" val="10001"/>
+                  </a:ext>
+                </a:extLst>
               </a:tr>
               <a:tr h="370840">
                 <a:tc>
@@ -4302,15 +4435,15 @@
                     <a:lstStyle/>
                     <a:p>
                       <a:r>
-                        <a:rPr lang="en-GB" altLang="zh-CN" dirty="0" smtClean="0"/>
+                        <a:rPr lang="en-GB" altLang="zh-CN" dirty="0"/>
                         <a:t>Factory@210 </a:t>
                       </a:r>
                       <a:r>
-                        <a:rPr lang="en-GB" altLang="zh-CN" dirty="0" err="1" smtClean="0"/>
+                        <a:rPr lang="en-GB" altLang="zh-CN" dirty="0" err="1"/>
                         <a:t>Lougheed</a:t>
                       </a:r>
                       <a:r>
-                        <a:rPr lang="en-GB" altLang="zh-CN" dirty="0" smtClean="0"/>
+                        <a:rPr lang="en-GB" altLang="zh-CN" dirty="0"/>
                         <a:t> Road</a:t>
                       </a:r>
                       <a:endParaRPr lang="zh-CN" altLang="en-US" dirty="0"/>
@@ -4324,7 +4457,7 @@
                     <a:lstStyle/>
                     <a:p>
                       <a:r>
-                        <a:rPr lang="en-US" altLang="zh-CN" dirty="0" smtClean="0"/>
+                        <a:rPr lang="en-US" altLang="zh-CN" dirty="0"/>
                         <a:t>195202.63</a:t>
                       </a:r>
                       <a:endParaRPr lang="zh-CN" altLang="en-US" dirty="0"/>
@@ -4338,7 +4471,7 @@
                     <a:lstStyle/>
                     <a:p>
                       <a:r>
-                        <a:rPr lang="en-US" altLang="zh-CN" dirty="0" smtClean="0"/>
+                        <a:rPr lang="en-US" altLang="zh-CN" dirty="0"/>
                         <a:t>5055.3915</a:t>
                       </a:r>
                       <a:endParaRPr lang="zh-CN" altLang="en-US" dirty="0"/>
@@ -4352,7 +4485,7 @@
                     <a:lstStyle/>
                     <a:p>
                       <a:r>
-                        <a:rPr lang="en-GB" altLang="zh-CN" dirty="0" smtClean="0"/>
+                        <a:rPr lang="en-GB" altLang="zh-CN" dirty="0"/>
                         <a:t>101.4%</a:t>
                       </a:r>
                       <a:endParaRPr lang="zh-CN" altLang="en-US" dirty="0"/>
@@ -4360,6 +4493,11 @@
                   </a:txBody>
                   <a:tcPr/>
                 </a:tc>
+                <a:extLst>
+                  <a:ext uri="{0D108BD9-81ED-4DB2-BD59-A6C34878D82A}">
+                    <a16:rowId xmlns:a16="http://schemas.microsoft.com/office/drawing/2014/main" val="10002"/>
+                  </a:ext>
+                </a:extLst>
               </a:tr>
               <a:tr h="370840">
                 <a:tc>
@@ -4368,7 +4506,7 @@
                     <a:lstStyle/>
                     <a:p>
                       <a:r>
-                        <a:rPr lang="en-GB" altLang="zh-CN" dirty="0" smtClean="0"/>
+                        <a:rPr lang="en-GB" altLang="zh-CN" dirty="0"/>
                         <a:t>Factory@1465 Ellis Street</a:t>
                       </a:r>
                       <a:endParaRPr lang="zh-CN" altLang="en-US" dirty="0"/>
@@ -4382,7 +4520,7 @@
                     <a:lstStyle/>
                     <a:p>
                       <a:r>
-                        <a:rPr lang="en-US" altLang="zh-CN" dirty="0" smtClean="0"/>
+                        <a:rPr lang="en-US" altLang="zh-CN" dirty="0"/>
                         <a:t>173589.91</a:t>
                       </a:r>
                       <a:endParaRPr lang="zh-CN" altLang="en-US" dirty="0"/>
@@ -4396,7 +4534,7 @@
                     <a:lstStyle/>
                     <a:p>
                       <a:r>
-                        <a:rPr lang="en-US" altLang="zh-CN" dirty="0" smtClean="0"/>
+                        <a:rPr lang="en-US" altLang="zh-CN" dirty="0"/>
                         <a:t>5040.42425</a:t>
                       </a:r>
                       <a:endParaRPr lang="zh-CN" altLang="en-US" dirty="0"/>
@@ -4410,7 +4548,7 @@
                     <a:lstStyle/>
                     <a:p>
                       <a:r>
-                        <a:rPr lang="en-GB" altLang="zh-CN" dirty="0" smtClean="0"/>
+                        <a:rPr lang="en-GB" altLang="zh-CN" dirty="0"/>
                         <a:t>114.1%</a:t>
                       </a:r>
                       <a:endParaRPr lang="zh-CN" altLang="en-US" dirty="0"/>
@@ -4418,6 +4556,11 @@
                   </a:txBody>
                   <a:tcPr/>
                 </a:tc>
+                <a:extLst>
+                  <a:ext uri="{0D108BD9-81ED-4DB2-BD59-A6C34878D82A}">
+                    <a16:rowId xmlns:a16="http://schemas.microsoft.com/office/drawing/2014/main" val="10003"/>
+                  </a:ext>
+                </a:extLst>
               </a:tr>
               <a:tr h="370840">
                 <a:tc>
@@ -4426,7 +4569,7 @@
                     <a:lstStyle/>
                     <a:p>
                       <a:r>
-                        <a:rPr lang="en-GB" altLang="zh-CN" dirty="0" smtClean="0"/>
+                        <a:rPr lang="en-GB" altLang="zh-CN" dirty="0"/>
                         <a:t>Factory@1505 Hardy Street</a:t>
                       </a:r>
                       <a:endParaRPr lang="zh-CN" altLang="en-US" dirty="0"/>
@@ -4440,7 +4583,7 @@
                     <a:lstStyle/>
                     <a:p>
                       <a:r>
-                        <a:rPr lang="en-US" altLang="zh-CN" dirty="0" smtClean="0"/>
+                        <a:rPr lang="en-US" altLang="zh-CN" dirty="0"/>
                         <a:t>172595.1</a:t>
                       </a:r>
                       <a:endParaRPr lang="zh-CN" altLang="en-US" dirty="0"/>
@@ -4454,7 +4597,7 @@
                     <a:lstStyle/>
                     <a:p>
                       <a:r>
-                        <a:rPr lang="en-US" altLang="zh-CN" dirty="0" smtClean="0"/>
+                        <a:rPr lang="en-US" altLang="zh-CN" dirty="0"/>
                         <a:t>5014.044375</a:t>
                       </a:r>
                       <a:endParaRPr lang="zh-CN" altLang="en-US" dirty="0"/>
@@ -4468,7 +4611,7 @@
                     <a:lstStyle/>
                     <a:p>
                       <a:r>
-                        <a:rPr lang="en-GB" altLang="zh-CN" dirty="0" smtClean="0"/>
+                        <a:rPr lang="en-GB" altLang="zh-CN" dirty="0"/>
                         <a:t>114.7%</a:t>
                       </a:r>
                       <a:endParaRPr lang="zh-CN" altLang="en-US" dirty="0"/>
@@ -4476,6 +4619,11 @@
                   </a:txBody>
                   <a:tcPr/>
                 </a:tc>
+                <a:extLst>
+                  <a:ext uri="{0D108BD9-81ED-4DB2-BD59-A6C34878D82A}">
+                    <a16:rowId xmlns:a16="http://schemas.microsoft.com/office/drawing/2014/main" val="10004"/>
+                  </a:ext>
+                </a:extLst>
               </a:tr>
             </a:tbl>
           </a:graphicData>
@@ -4504,7 +4652,7 @@
           <a:lstStyle/>
           <a:p>
             <a:r>
-              <a:rPr lang="en-GB" altLang="zh-CN" sz="2800" dirty="0" smtClean="0"/>
+              <a:rPr lang="en-GB" altLang="zh-CN" sz="2800" dirty="0"/>
               <a:t>Cost Benefit analysis (assuming 0% interest rate)</a:t>
             </a:r>
             <a:endParaRPr lang="zh-CN" altLang="en-US" sz="2800" dirty="0"/>
@@ -4543,6 +4691,55 @@
       </p:grpSpPr>
       <p:sp>
         <p:nvSpPr>
+          <p:cNvPr id="9" name="Rectangle 8">
+            <a:extLst>
+              <a:ext uri="{FF2B5EF4-FFF2-40B4-BE49-F238E27FC236}">
+                <a16:creationId xmlns:a16="http://schemas.microsoft.com/office/drawing/2014/main" id="{9A9C1B7F-1770-4A62-3802-CC9BBF83D953}"/>
+              </a:ext>
+            </a:extLst>
+          </p:cNvPr>
+          <p:cNvSpPr/>
+          <p:nvPr/>
+        </p:nvSpPr>
+        <p:spPr>
+          <a:xfrm>
+            <a:off x="879791" y="3457487"/>
+            <a:ext cx="7160028" cy="2460234"/>
+          </a:xfrm>
+          <a:prstGeom prst="rect">
+            <a:avLst/>
+          </a:prstGeom>
+          <a:solidFill>
+            <a:schemeClr val="bg1"/>
+          </a:solidFill>
+        </p:spPr>
+        <p:style>
+          <a:lnRef idx="2">
+            <a:schemeClr val="accent1">
+              <a:shade val="15000"/>
+            </a:schemeClr>
+          </a:lnRef>
+          <a:fillRef idx="1">
+            <a:schemeClr val="accent1"/>
+          </a:fillRef>
+          <a:effectRef idx="0">
+            <a:schemeClr val="accent1"/>
+          </a:effectRef>
+          <a:fontRef idx="minor">
+            <a:schemeClr val="lt1"/>
+          </a:fontRef>
+        </p:style>
+        <p:txBody>
+          <a:bodyPr rtlCol="0" anchor="ctr"/>
+          <a:lstStyle/>
+          <a:p>
+            <a:pPr algn="ctr"/>
+            <a:endParaRPr lang="zh-CN" altLang="en-US"/>
+          </a:p>
+        </p:txBody>
+      </p:sp>
+      <p:sp>
+        <p:nvSpPr>
           <p:cNvPr id="6" name="文本框 5"/>
           <p:cNvSpPr txBox="1"/>
           <p:nvPr/>
@@ -4564,11 +4761,11 @@
           <a:lstStyle/>
           <a:p>
             <a:r>
-              <a:rPr lang="en-GB" altLang="zh-CN" sz="2800" dirty="0" smtClean="0"/>
+              <a:rPr lang="en-GB" altLang="zh-CN" sz="2800" dirty="0"/>
               <a:t>Cost Benefit analysis (currently </a:t>
             </a:r>
             <a:r>
-              <a:rPr lang="en-GB" altLang="zh-CN" sz="2800" b="1" dirty="0" smtClean="0">
+              <a:rPr lang="en-GB" altLang="zh-CN" sz="2800" b="1" dirty="0">
                 <a:solidFill>
                   <a:schemeClr val="accent2"/>
                 </a:solidFill>
@@ -4576,16 +4773,8 @@
               <a:t>3.874%</a:t>
             </a:r>
             <a:r>
-              <a:rPr lang="en-GB" altLang="zh-CN" sz="2800" dirty="0" smtClean="0"/>
-              <a:t> </a:t>
-            </a:r>
-            <a:r>
-              <a:rPr lang="en-GB" altLang="zh-CN" sz="2800" dirty="0" smtClean="0"/>
-              <a:t>one year </a:t>
-            </a:r>
-            <a:r>
-              <a:rPr lang="en-GB" altLang="zh-CN" sz="2800" dirty="0" smtClean="0"/>
-              <a:t>bond rate)</a:t>
+              <a:rPr lang="en-GB" altLang="zh-CN" sz="2800" dirty="0"/>
+              <a:t> one year bond rate)</a:t>
             </a:r>
             <a:endParaRPr lang="zh-CN" altLang="en-US" sz="2800" dirty="0"/>
           </a:p>
@@ -4641,7 +4830,7 @@
           <a:prstGeom prst="straightConnector1">
             <a:avLst/>
           </a:prstGeom>
-          <a:ln>
+          <a:ln w="28575">
             <a:tailEnd type="triangle"/>
           </a:ln>
         </p:spPr>
@@ -4674,7 +4863,7 @@
           <a:prstGeom prst="straightConnector1">
             <a:avLst/>
           </a:prstGeom>
-          <a:ln>
+          <a:ln w="28575">
             <a:solidFill>
               <a:schemeClr val="accent6"/>
             </a:solidFill>
@@ -4710,7 +4899,7 @@
           <a:prstGeom prst="straightConnector1">
             <a:avLst/>
           </a:prstGeom>
-          <a:ln>
+          <a:ln w="28575">
             <a:solidFill>
               <a:schemeClr val="accent6"/>
             </a:solidFill>
@@ -4746,7 +4935,7 @@
           <a:prstGeom prst="straightConnector1">
             <a:avLst/>
           </a:prstGeom>
-          <a:ln>
+          <a:ln w="28575">
             <a:solidFill>
               <a:schemeClr val="accent6"/>
             </a:solidFill>
@@ -4782,7 +4971,7 @@
           <a:prstGeom prst="straightConnector1">
             <a:avLst/>
           </a:prstGeom>
-          <a:ln>
+          <a:ln w="28575">
             <a:solidFill>
               <a:schemeClr val="accent6"/>
             </a:solidFill>
@@ -4818,7 +5007,7 @@
           <a:prstGeom prst="straightConnector1">
             <a:avLst/>
           </a:prstGeom>
-          <a:ln>
+          <a:ln w="28575">
             <a:solidFill>
               <a:schemeClr val="accent6"/>
             </a:solidFill>
@@ -4854,7 +5043,7 @@
           <a:prstGeom prst="straightConnector1">
             <a:avLst/>
           </a:prstGeom>
-          <a:ln>
+          <a:ln w="28575">
             <a:solidFill>
               <a:schemeClr val="accent6"/>
             </a:solidFill>
@@ -4890,7 +5079,7 @@
           <a:prstGeom prst="straightConnector1">
             <a:avLst/>
           </a:prstGeom>
-          <a:ln>
+          <a:ln w="28575">
             <a:solidFill>
               <a:schemeClr val="accent2">
                 <a:lumMod val="75000"/>
@@ -4928,7 +5117,7 @@
           <a:prstGeom prst="straightConnector1">
             <a:avLst/>
           </a:prstGeom>
-          <a:ln>
+          <a:ln w="28575">
             <a:solidFill>
               <a:schemeClr val="accent2">
                 <a:lumMod val="75000"/>
@@ -4966,7 +5155,7 @@
           <a:prstGeom prst="straightConnector1">
             <a:avLst/>
           </a:prstGeom>
-          <a:ln>
+          <a:ln w="28575">
             <a:solidFill>
               <a:schemeClr val="accent2">
                 <a:lumMod val="75000"/>
@@ -5004,7 +5193,7 @@
           <a:prstGeom prst="straightConnector1">
             <a:avLst/>
           </a:prstGeom>
-          <a:ln>
+          <a:ln w="28575">
             <a:solidFill>
               <a:schemeClr val="accent2">
                 <a:lumMod val="75000"/>
@@ -5042,7 +5231,7 @@
           <a:prstGeom prst="straightConnector1">
             <a:avLst/>
           </a:prstGeom>
-          <a:ln>
+          <a:ln w="28575">
             <a:solidFill>
               <a:schemeClr val="accent2">
                 <a:lumMod val="75000"/>
@@ -5074,13 +5263,13 @@
         </p:nvCxnSpPr>
         <p:spPr>
           <a:xfrm>
-            <a:off x="2734409" y="4598378"/>
+            <a:off x="2734409" y="4581126"/>
             <a:ext cx="0" cy="351692"/>
           </a:xfrm>
           <a:prstGeom prst="straightConnector1">
             <a:avLst/>
           </a:prstGeom>
-          <a:ln>
+          <a:ln w="28575">
             <a:solidFill>
               <a:schemeClr val="accent2">
                 <a:lumMod val="75000"/>
@@ -5112,8 +5301,8 @@
         </p:nvSpPr>
         <p:spPr>
           <a:xfrm>
-            <a:off x="993531" y="4852094"/>
-            <a:ext cx="6318739" cy="646331"/>
+            <a:off x="879791" y="4819727"/>
+            <a:ext cx="1844852" cy="646331"/>
           </a:xfrm>
           <a:prstGeom prst="rect">
             <a:avLst/>
@@ -5126,41 +5315,28 @@
           <a:lstStyle/>
           <a:p>
             <a:r>
-              <a:rPr lang="en-GB" altLang="zh-CN" dirty="0" smtClean="0">
+              <a:rPr lang="en-GB" altLang="zh-CN" dirty="0">
                 <a:solidFill>
                   <a:schemeClr val="accent1"/>
                 </a:solidFill>
               </a:rPr>
               <a:t>Equipment Cost+</a:t>
             </a:r>
-            <a:r>
-              <a:rPr lang="en-GB" altLang="zh-CN" dirty="0" smtClean="0">
-                <a:solidFill>
-                  <a:schemeClr val="accent1"/>
-                </a:solidFill>
-              </a:rPr>
-              <a:t/>
-            </a:r>
             <a:br>
-              <a:rPr lang="en-GB" altLang="zh-CN" dirty="0" smtClean="0">
+              <a:rPr lang="en-GB" altLang="zh-CN" dirty="0">
                 <a:solidFill>
                   <a:schemeClr val="accent1"/>
                 </a:solidFill>
               </a:rPr>
             </a:br>
             <a:r>
-              <a:rPr lang="en-GB" altLang="zh-CN" dirty="0" smtClean="0">
+              <a:rPr lang="en-GB" altLang="zh-CN" dirty="0">
                 <a:solidFill>
                   <a:schemeClr val="accent1"/>
                 </a:solidFill>
               </a:rPr>
               <a:t>Agreement Cost</a:t>
             </a:r>
-            <a:endParaRPr lang="en-GB" altLang="zh-CN" dirty="0" smtClean="0">
-              <a:solidFill>
-                <a:schemeClr val="accent1"/>
-              </a:solidFill>
-            </a:endParaRPr>
           </a:p>
         </p:txBody>
       </p:sp>
@@ -5186,7 +5362,7 @@
           <a:lstStyle/>
           <a:p>
             <a:r>
-              <a:rPr lang="en-GB" altLang="zh-CN" dirty="0" smtClean="0">
+              <a:rPr lang="en-GB" altLang="zh-CN" dirty="0">
                 <a:solidFill>
                   <a:schemeClr val="accent2">
                     <a:lumMod val="75000"/>
@@ -5227,7 +5403,7 @@
           <a:lstStyle/>
           <a:p>
             <a:r>
-              <a:rPr lang="en-GB" altLang="zh-CN" dirty="0" smtClean="0">
+              <a:rPr lang="en-GB" altLang="zh-CN" dirty="0">
                 <a:solidFill>
                   <a:schemeClr val="accent6">
                     <a:lumMod val="75000"/>
@@ -5269,7 +5445,7 @@
           <a:lstStyle/>
           <a:p>
             <a:r>
-              <a:rPr lang="en-GB" altLang="zh-CN" dirty="0" smtClean="0"/>
+              <a:rPr lang="en-GB" altLang="zh-CN" dirty="0"/>
               <a:t>…</a:t>
             </a:r>
             <a:endParaRPr lang="zh-CN" altLang="en-US" dirty="0"/>
@@ -5299,7 +5475,7 @@
           <a:lstStyle/>
           <a:p>
             <a:r>
-              <a:rPr lang="en-GB" altLang="zh-CN" dirty="0" smtClean="0"/>
+              <a:rPr lang="en-GB" altLang="zh-CN" dirty="0"/>
               <a:t>…</a:t>
             </a:r>
             <a:endParaRPr lang="zh-CN" altLang="en-US" dirty="0"/>
@@ -5320,7 +5496,7 @@
           <a:prstGeom prst="straightConnector1">
             <a:avLst/>
           </a:prstGeom>
-          <a:ln>
+          <a:ln w="28575">
             <a:solidFill>
               <a:schemeClr val="accent6"/>
             </a:solidFill>
@@ -5356,7 +5532,7 @@
           <a:prstGeom prst="straightConnector1">
             <a:avLst/>
           </a:prstGeom>
-          <a:ln>
+          <a:ln w="28575">
             <a:solidFill>
               <a:schemeClr val="accent2">
                 <a:lumMod val="75000"/>
@@ -5403,7 +5579,7 @@
           <a:lstStyle/>
           <a:p>
             <a:r>
-              <a:rPr lang="en-GB" altLang="zh-CN" dirty="0" smtClean="0"/>
+              <a:rPr lang="en-GB" altLang="zh-CN" dirty="0"/>
               <a:t>0</a:t>
             </a:r>
             <a:endParaRPr lang="zh-CN" altLang="en-US" dirty="0"/>
@@ -5433,7 +5609,7 @@
           <a:lstStyle/>
           <a:p>
             <a:r>
-              <a:rPr lang="en-GB" altLang="zh-CN" dirty="0" smtClean="0"/>
+              <a:rPr lang="en-GB" altLang="zh-CN" dirty="0"/>
               <a:t>1</a:t>
             </a:r>
             <a:endParaRPr lang="zh-CN" altLang="en-US" dirty="0"/>
@@ -5463,7 +5639,7 @@
           <a:lstStyle/>
           <a:p>
             <a:r>
-              <a:rPr lang="en-GB" altLang="zh-CN" dirty="0" smtClean="0"/>
+              <a:rPr lang="en-GB" altLang="zh-CN" dirty="0"/>
               <a:t>2</a:t>
             </a:r>
             <a:endParaRPr lang="zh-CN" altLang="en-US" dirty="0"/>
@@ -5478,7 +5654,7 @@
         </p:nvSpPr>
         <p:spPr>
           <a:xfrm>
-            <a:off x="6600059" y="4176293"/>
+            <a:off x="6582807" y="4176293"/>
             <a:ext cx="418704" cy="369332"/>
           </a:xfrm>
           <a:prstGeom prst="rect">
@@ -5493,7 +5669,7 @@
           <a:lstStyle/>
           <a:p>
             <a:r>
-              <a:rPr lang="en-GB" altLang="zh-CN" dirty="0" smtClean="0"/>
+              <a:rPr lang="en-GB" altLang="zh-CN" dirty="0"/>
               <a:t>12</a:t>
             </a:r>
             <a:endParaRPr lang="zh-CN" altLang="en-US" dirty="0"/>
@@ -5508,7 +5684,7 @@
         </p:nvSpPr>
         <p:spPr>
           <a:xfrm>
-            <a:off x="6195613" y="4176293"/>
+            <a:off x="6178361" y="4176293"/>
             <a:ext cx="418704" cy="369332"/>
           </a:xfrm>
           <a:prstGeom prst="rect">
@@ -5523,7 +5699,7 @@
           <a:lstStyle/>
           <a:p>
             <a:r>
-              <a:rPr lang="en-GB" altLang="zh-CN" dirty="0" smtClean="0"/>
+              <a:rPr lang="en-GB" altLang="zh-CN" dirty="0"/>
               <a:t>11</a:t>
             </a:r>
             <a:endParaRPr lang="zh-CN" altLang="en-US" dirty="0"/>
@@ -5555,10 +5731,34 @@
                 <a:tableStyleId>{5C22544A-7EE6-4342-B048-85BDC9FD1C3A}</a:tableStyleId>
               </a:tblPr>
               <a:tblGrid>
-                <a:gridCol w="3094891"/>
-                <a:gridCol w="1565031"/>
-                <a:gridCol w="2277208"/>
-                <a:gridCol w="2883877"/>
+                <a:gridCol w="3094891">
+                  <a:extLst>
+                    <a:ext uri="{9D8B030D-6E8A-4147-A177-3AD203B41FA5}">
+                      <a16:colId xmlns:a16="http://schemas.microsoft.com/office/drawing/2014/main" val="20000"/>
+                    </a:ext>
+                  </a:extLst>
+                </a:gridCol>
+                <a:gridCol w="1565031">
+                  <a:extLst>
+                    <a:ext uri="{9D8B030D-6E8A-4147-A177-3AD203B41FA5}">
+                      <a16:colId xmlns:a16="http://schemas.microsoft.com/office/drawing/2014/main" val="20001"/>
+                    </a:ext>
+                  </a:extLst>
+                </a:gridCol>
+                <a:gridCol w="2277208">
+                  <a:extLst>
+                    <a:ext uri="{9D8B030D-6E8A-4147-A177-3AD203B41FA5}">
+                      <a16:colId xmlns:a16="http://schemas.microsoft.com/office/drawing/2014/main" val="20002"/>
+                    </a:ext>
+                  </a:extLst>
+                </a:gridCol>
+                <a:gridCol w="2883877">
+                  <a:extLst>
+                    <a:ext uri="{9D8B030D-6E8A-4147-A177-3AD203B41FA5}">
+                      <a16:colId xmlns:a16="http://schemas.microsoft.com/office/drawing/2014/main" val="20003"/>
+                    </a:ext>
+                  </a:extLst>
+                </a:gridCol>
               </a:tblGrid>
               <a:tr h="370840">
                 <a:tc>
@@ -5577,7 +5777,7 @@
                     <a:lstStyle/>
                     <a:p>
                       <a:r>
-                        <a:rPr lang="en-GB" altLang="zh-CN" dirty="0" smtClean="0"/>
+                        <a:rPr lang="en-GB" altLang="zh-CN" dirty="0"/>
                         <a:t>Z1 (CAD)</a:t>
                       </a:r>
                       <a:endParaRPr lang="zh-CN" altLang="en-US" dirty="0"/>
@@ -5591,36 +5791,33 @@
                     <a:lstStyle/>
                     <a:p>
                       <a:r>
-                        <a:rPr lang="en-GB" altLang="zh-CN" dirty="0" smtClean="0"/>
-                        <a:t>B/C </a:t>
-                      </a:r>
-                      <a:r>
-                        <a:rPr lang="en-GB" altLang="zh-CN" dirty="0" smtClean="0"/>
-                        <a:t>Rate (0%)</a:t>
-                      </a:r>
-                      <a:endParaRPr lang="zh-CN" altLang="en-US" dirty="0"/>
-                    </a:p>
-                  </a:txBody>
-                  <a:tcPr/>
-                </a:tc>
-                <a:tc>
-                  <a:txBody>
-                    <a:bodyPr/>
-                    <a:lstStyle/>
-                    <a:p>
-                      <a:r>
-                        <a:rPr lang="en-GB" altLang="zh-CN" dirty="0" smtClean="0"/>
-                        <a:t>B/C </a:t>
-                      </a:r>
-                      <a:r>
-                        <a:rPr lang="en-GB" altLang="zh-CN" dirty="0" smtClean="0"/>
-                        <a:t>Rate (3.874%)</a:t>
-                      </a:r>
-                      <a:endParaRPr lang="zh-CN" altLang="en-US" dirty="0"/>
-                    </a:p>
-                  </a:txBody>
-                  <a:tcPr/>
-                </a:tc>
+                        <a:rPr lang="en-GB" altLang="zh-CN" dirty="0"/>
+                        <a:t>B/C Rate (0%)</a:t>
+                      </a:r>
+                      <a:endParaRPr lang="zh-CN" altLang="en-US" dirty="0"/>
+                    </a:p>
+                  </a:txBody>
+                  <a:tcPr/>
+                </a:tc>
+                <a:tc>
+                  <a:txBody>
+                    <a:bodyPr/>
+                    <a:lstStyle/>
+                    <a:p>
+                      <a:r>
+                        <a:rPr lang="en-GB" altLang="zh-CN" dirty="0"/>
+                        <a:t>B/C Rate (3.874%)</a:t>
+                      </a:r>
+                      <a:endParaRPr lang="zh-CN" altLang="en-US" dirty="0"/>
+                    </a:p>
+                  </a:txBody>
+                  <a:tcPr/>
+                </a:tc>
+                <a:extLst>
+                  <a:ext uri="{0D108BD9-81ED-4DB2-BD59-A6C34878D82A}">
+                    <a16:rowId xmlns:a16="http://schemas.microsoft.com/office/drawing/2014/main" val="10000"/>
+                  </a:ext>
+                </a:extLst>
               </a:tr>
               <a:tr h="370840">
                 <a:tc>
@@ -5629,7 +5826,7 @@
                     <a:lstStyle/>
                     <a:p>
                       <a:r>
-                        <a:rPr lang="en-GB" altLang="zh-CN" dirty="0" smtClean="0"/>
+                        <a:rPr lang="en-GB" altLang="zh-CN" dirty="0"/>
                         <a:t>Total Benefit</a:t>
                       </a:r>
                       <a:endParaRPr lang="zh-CN" altLang="en-US" dirty="0"/>
@@ -5659,7 +5856,7 @@
                         <a:tabLst/>
                         <a:defRPr/>
                       </a:pPr>
-                      <a:endParaRPr lang="zh-CN" altLang="en-US" dirty="0" smtClean="0"/>
+                      <a:endParaRPr lang="zh-CN" altLang="en-US" dirty="0"/>
                     </a:p>
                   </a:txBody>
                   <a:tcPr/>
@@ -5687,7 +5884,7 @@
                         <a:defRPr/>
                       </a:pPr>
                       <a:r>
-                        <a:rPr lang="en-GB" altLang="zh-CN" dirty="0" smtClean="0"/>
+                        <a:rPr lang="en-GB" altLang="zh-CN" dirty="0"/>
                         <a:t>198000 CAD</a:t>
                       </a:r>
                       <a:endParaRPr lang="zh-CN" altLang="en-US" dirty="0"/>
@@ -5718,7 +5915,7 @@
                         <a:defRPr/>
                       </a:pPr>
                       <a:r>
-                        <a:rPr lang="en-GB" altLang="zh-CN" dirty="0" smtClean="0"/>
+                        <a:rPr lang="en-GB" altLang="zh-CN" dirty="0"/>
                         <a:t>198000 CAD</a:t>
                       </a:r>
                       <a:endParaRPr lang="zh-CN" altLang="en-US" dirty="0"/>
@@ -5726,6 +5923,11 @@
                   </a:txBody>
                   <a:tcPr/>
                 </a:tc>
+                <a:extLst>
+                  <a:ext uri="{0D108BD9-81ED-4DB2-BD59-A6C34878D82A}">
+                    <a16:rowId xmlns:a16="http://schemas.microsoft.com/office/drawing/2014/main" val="10001"/>
+                  </a:ext>
+                </a:extLst>
               </a:tr>
               <a:tr h="370840">
                 <a:tc>
@@ -5734,15 +5936,15 @@
                     <a:lstStyle/>
                     <a:p>
                       <a:r>
-                        <a:rPr lang="en-GB" altLang="zh-CN" dirty="0" smtClean="0"/>
+                        <a:rPr lang="en-GB" altLang="zh-CN" dirty="0"/>
                         <a:t>Factory@210 </a:t>
                       </a:r>
                       <a:r>
-                        <a:rPr lang="en-GB" altLang="zh-CN" dirty="0" err="1" smtClean="0"/>
+                        <a:rPr lang="en-GB" altLang="zh-CN" dirty="0" err="1"/>
                         <a:t>Lougheed</a:t>
                       </a:r>
                       <a:r>
-                        <a:rPr lang="en-GB" altLang="zh-CN" dirty="0" smtClean="0"/>
+                        <a:rPr lang="en-GB" altLang="zh-CN" dirty="0"/>
                         <a:t> Road</a:t>
                       </a:r>
                       <a:endParaRPr lang="zh-CN" altLang="en-US" dirty="0"/>
@@ -5756,7 +5958,7 @@
                     <a:lstStyle/>
                     <a:p>
                       <a:r>
-                        <a:rPr lang="en-US" altLang="zh-CN" dirty="0" smtClean="0"/>
+                        <a:rPr lang="en-US" altLang="zh-CN" dirty="0"/>
                         <a:t>195202.63</a:t>
                       </a:r>
                       <a:endParaRPr lang="zh-CN" altLang="en-US" dirty="0"/>
@@ -5770,7 +5972,7 @@
                     <a:lstStyle/>
                     <a:p>
                       <a:r>
-                        <a:rPr lang="en-GB" altLang="zh-CN" dirty="0" smtClean="0"/>
+                        <a:rPr lang="en-GB" altLang="zh-CN" dirty="0"/>
                         <a:t>101.4%</a:t>
                       </a:r>
                       <a:endParaRPr lang="zh-CN" altLang="en-US" dirty="0"/>
@@ -5784,7 +5986,7 @@
                     <a:lstStyle/>
                     <a:p>
                       <a:r>
-                        <a:rPr lang="en-GB" altLang="zh-CN" dirty="0" smtClean="0"/>
+                        <a:rPr lang="en-GB" altLang="zh-CN" dirty="0"/>
                         <a:t>100.8%</a:t>
                       </a:r>
                       <a:endParaRPr lang="zh-CN" altLang="en-US" dirty="0"/>
@@ -5792,6 +5994,11 @@
                   </a:txBody>
                   <a:tcPr/>
                 </a:tc>
+                <a:extLst>
+                  <a:ext uri="{0D108BD9-81ED-4DB2-BD59-A6C34878D82A}">
+                    <a16:rowId xmlns:a16="http://schemas.microsoft.com/office/drawing/2014/main" val="10002"/>
+                  </a:ext>
+                </a:extLst>
               </a:tr>
               <a:tr h="370840">
                 <a:tc>
@@ -5800,7 +6007,7 @@
                     <a:lstStyle/>
                     <a:p>
                       <a:r>
-                        <a:rPr lang="en-GB" altLang="zh-CN" dirty="0" smtClean="0"/>
+                        <a:rPr lang="en-GB" altLang="zh-CN" dirty="0"/>
                         <a:t>Factory@1465 Ellis Street</a:t>
                       </a:r>
                       <a:endParaRPr lang="zh-CN" altLang="en-US" dirty="0"/>
@@ -5814,7 +6021,7 @@
                     <a:lstStyle/>
                     <a:p>
                       <a:r>
-                        <a:rPr lang="en-US" altLang="zh-CN" dirty="0" smtClean="0"/>
+                        <a:rPr lang="en-US" altLang="zh-CN" dirty="0"/>
                         <a:t>173589.91</a:t>
                       </a:r>
                       <a:endParaRPr lang="zh-CN" altLang="en-US" dirty="0"/>
@@ -5828,7 +6035,7 @@
                     <a:lstStyle/>
                     <a:p>
                       <a:r>
-                        <a:rPr lang="en-GB" altLang="zh-CN" dirty="0" smtClean="0"/>
+                        <a:rPr lang="en-GB" altLang="zh-CN" dirty="0"/>
                         <a:t>114.1%</a:t>
                       </a:r>
                       <a:endParaRPr lang="zh-CN" altLang="en-US" dirty="0"/>
@@ -5842,7 +6049,7 @@
                     <a:lstStyle/>
                     <a:p>
                       <a:r>
-                        <a:rPr lang="en-GB" altLang="zh-CN" dirty="0" smtClean="0"/>
+                        <a:rPr lang="en-GB" altLang="zh-CN" dirty="0"/>
                         <a:t>112.4%</a:t>
                       </a:r>
                       <a:endParaRPr lang="zh-CN" altLang="en-US" dirty="0"/>
@@ -5850,6 +6057,11 @@
                   </a:txBody>
                   <a:tcPr/>
                 </a:tc>
+                <a:extLst>
+                  <a:ext uri="{0D108BD9-81ED-4DB2-BD59-A6C34878D82A}">
+                    <a16:rowId xmlns:a16="http://schemas.microsoft.com/office/drawing/2014/main" val="10003"/>
+                  </a:ext>
+                </a:extLst>
               </a:tr>
               <a:tr h="370840">
                 <a:tc>
@@ -5858,7 +6070,7 @@
                     <a:lstStyle/>
                     <a:p>
                       <a:r>
-                        <a:rPr lang="en-GB" altLang="zh-CN" dirty="0" smtClean="0"/>
+                        <a:rPr lang="en-GB" altLang="zh-CN" dirty="0"/>
                         <a:t>Factory@1505 Hardy Street</a:t>
                       </a:r>
                       <a:endParaRPr lang="zh-CN" altLang="en-US" dirty="0"/>
@@ -5872,7 +6084,7 @@
                     <a:lstStyle/>
                     <a:p>
                       <a:r>
-                        <a:rPr lang="en-US" altLang="zh-CN" dirty="0" smtClean="0"/>
+                        <a:rPr lang="en-US" altLang="zh-CN" dirty="0"/>
                         <a:t>172595.1</a:t>
                       </a:r>
                       <a:endParaRPr lang="zh-CN" altLang="en-US" dirty="0"/>
@@ -5886,7 +6098,7 @@
                     <a:lstStyle/>
                     <a:p>
                       <a:r>
-                        <a:rPr lang="en-GB" altLang="zh-CN" dirty="0" smtClean="0"/>
+                        <a:rPr lang="en-GB" altLang="zh-CN" dirty="0"/>
                         <a:t>114.7%</a:t>
                       </a:r>
                       <a:endParaRPr lang="zh-CN" altLang="en-US" dirty="0"/>
@@ -5900,7 +6112,7 @@
                     <a:lstStyle/>
                     <a:p>
                       <a:r>
-                        <a:rPr lang="en-GB" altLang="zh-CN" dirty="0" smtClean="0"/>
+                        <a:rPr lang="en-GB" altLang="zh-CN" dirty="0"/>
                         <a:t>113.0%</a:t>
                       </a:r>
                       <a:endParaRPr lang="zh-CN" altLang="en-US" dirty="0"/>
@@ -5908,6 +6120,11 @@
                   </a:txBody>
                   <a:tcPr/>
                 </a:tc>
+                <a:extLst>
+                  <a:ext uri="{0D108BD9-81ED-4DB2-BD59-A6C34878D82A}">
+                    <a16:rowId xmlns:a16="http://schemas.microsoft.com/office/drawing/2014/main" val="10004"/>
+                  </a:ext>
+                </a:extLst>
               </a:tr>
             </a:tbl>
           </a:graphicData>
@@ -5959,7 +6176,7 @@
           <a:lstStyle/>
           <a:p>
             <a:r>
-              <a:rPr lang="en-GB" altLang="zh-CN" dirty="0" smtClean="0"/>
+              <a:rPr lang="en-GB" altLang="zh-CN" dirty="0"/>
               <a:t>More Assumptions</a:t>
             </a:r>
             <a:endParaRPr lang="zh-CN" altLang="en-US" dirty="0"/>
@@ -5982,35 +6199,35 @@
           <a:lstStyle/>
           <a:p>
             <a:r>
-              <a:rPr lang="en-GB" altLang="zh-CN" dirty="0" smtClean="0"/>
+              <a:rPr lang="en-GB" altLang="zh-CN" dirty="0"/>
               <a:t>assume downtown office is small, 600sqft, we can only hire 4 worker</a:t>
             </a:r>
           </a:p>
           <a:p>
             <a:r>
-              <a:rPr lang="en-GB" altLang="zh-CN" dirty="0" smtClean="0"/>
+              <a:rPr lang="en-GB" altLang="zh-CN" dirty="0"/>
               <a:t>assume midtown office is larger, 800sqft, we can only hire 6 workers</a:t>
             </a:r>
           </a:p>
           <a:p>
             <a:r>
-              <a:rPr lang="en-GB" altLang="zh-CN" dirty="0" smtClean="0"/>
+              <a:rPr lang="en-GB" altLang="zh-CN" dirty="0"/>
               <a:t>assume uptown office is small, 1700sqft, we can only hire 10 workers</a:t>
             </a:r>
           </a:p>
           <a:p>
             <a:r>
-              <a:rPr lang="en-GB" altLang="zh-CN" dirty="0" smtClean="0"/>
+              <a:rPr lang="en-GB" altLang="zh-CN" dirty="0"/>
               <a:t>assume fixed equipment cost at the beginning is 5000CAD</a:t>
             </a:r>
           </a:p>
           <a:p>
             <a:r>
-              <a:rPr lang="en-GB" altLang="zh-CN" dirty="0" err="1" smtClean="0"/>
+              <a:rPr lang="en-GB" altLang="zh-CN" dirty="0" err="1"/>
               <a:t>Labor</a:t>
             </a:r>
             <a:r>
-              <a:rPr lang="en-GB" altLang="zh-CN" dirty="0" smtClean="0"/>
+              <a:rPr lang="en-GB" altLang="zh-CN" dirty="0"/>
               <a:t> cost not included</a:t>
             </a:r>
           </a:p>
